--- a/Presentation 2.pptx
+++ b/Presentation 2.pptx
@@ -3605,7 +3605,7 @@
           </a:lstStyle>
           <a:p>
             <a:fld id="{A8CC9FE5-F9F8-4004-B685-F3FEF92DBDFE}" type="datetimeFigureOut">
-              <a:t>6/1/2023</a:t>
+              <a:t>01-Jun-23</a:t>
             </a:fld>
             <a:endParaRPr lang="en-US"/>
           </a:p>
@@ -4141,6 +4141,137 @@
           <a:bodyPr/>
           <a:lstStyle/>
           <a:p>
+            <a:pPr algn="l" rtl="0" fontAlgn="base"/>
+            <a:r>
+              <a:rPr lang="en-US" b="0" i="0" u="none" strike="noStrike" dirty="0">
+                <a:solidFill>
+                  <a:srgbClr val="000000"/>
+                </a:solidFill>
+                <a:effectLst/>
+                <a:latin typeface="Calibri" panose="020F0502020204030204" pitchFamily="34" charset="0"/>
+              </a:rPr>
+              <a:t>Delta X1 = -0.008001286 * (x1 - 0.7769762 *x2 - 23.6658920) + …...</a:t>
+            </a:r>
+            <a:r>
+              <a:rPr lang="en-US" b="0" i="0" dirty="0">
+                <a:solidFill>
+                  <a:srgbClr val="000000"/>
+                </a:solidFill>
+                <a:effectLst/>
+                <a:latin typeface="Calibri" panose="020F0502020204030204" pitchFamily="34" charset="0"/>
+              </a:rPr>
+              <a:t>​</a:t>
+            </a:r>
+            <a:endParaRPr lang="en-US" b="0" i="0" dirty="0">
+              <a:solidFill>
+                <a:srgbClr val="444444"/>
+              </a:solidFill>
+              <a:effectLst/>
+              <a:latin typeface="Calibri" panose="020F0502020204030204" pitchFamily="34" charset="0"/>
+            </a:endParaRPr>
+          </a:p>
+          <a:p>
+            <a:pPr algn="l" rtl="0" fontAlgn="base"/>
+            <a:r>
+              <a:rPr lang="en-US" b="0" i="0" u="none" strike="noStrike" dirty="0">
+                <a:solidFill>
+                  <a:srgbClr val="000000"/>
+                </a:solidFill>
+                <a:effectLst/>
+                <a:latin typeface="Calibri" panose="020F0502020204030204" pitchFamily="34" charset="0"/>
+              </a:rPr>
+              <a:t>Delta X2 = 0.127376 * (x1 - 0.7769762 *x2 - 23.6658920) + …..</a:t>
+            </a:r>
+            <a:endParaRPr lang="en-US" b="0" i="0" dirty="0">
+              <a:solidFill>
+                <a:srgbClr val="444444"/>
+              </a:solidFill>
+              <a:effectLst/>
+              <a:latin typeface="Calibri" panose="020F0502020204030204" pitchFamily="34" charset="0"/>
+            </a:endParaRPr>
+          </a:p>
+        </p:txBody>
+      </p:sp>
+      <p:sp>
+        <p:nvSpPr>
+          <p:cNvPr id="4" name="Slide Number Placeholder 3"/>
+          <p:cNvSpPr>
+            <a:spLocks noGrp="1"/>
+          </p:cNvSpPr>
+          <p:nvPr>
+            <p:ph type="sldNum" sz="quarter" idx="5"/>
+          </p:nvPr>
+        </p:nvSpPr>
+        <p:spPr/>
+        <p:txBody>
+          <a:bodyPr/>
+          <a:lstStyle/>
+          <a:p>
+            <a:fld id="{C587DDA5-0D38-403A-93A1-AE57F00CD632}" type="slidenum">
+              <a:rPr lang="en-US" smtClean="0"/>
+              <a:t>16</a:t>
+            </a:fld>
+            <a:endParaRPr lang="en-US"/>
+          </a:p>
+        </p:txBody>
+      </p:sp>
+    </p:spTree>
+    <p:extLst>
+      <p:ext uri="{BB962C8B-B14F-4D97-AF65-F5344CB8AC3E}">
+        <p14:creationId xmlns:p14="http://schemas.microsoft.com/office/powerpoint/2010/main" val="1920355879"/>
+      </p:ext>
+    </p:extLst>
+  </p:cSld>
+  <p:clrMapOvr>
+    <a:masterClrMapping/>
+  </p:clrMapOvr>
+</p:notes>
+</file>
+
+<file path=ppt/notesSlides/notesSlide3.xml><?xml version="1.0" encoding="utf-8"?>
+<p:notes xmlns:a="http://schemas.openxmlformats.org/drawingml/2006/main" xmlns:r="http://schemas.openxmlformats.org/officeDocument/2006/relationships" xmlns:p="http://schemas.openxmlformats.org/presentationml/2006/main">
+  <p:cSld>
+    <p:spTree>
+      <p:nvGrpSpPr>
+        <p:cNvPr id="1" name=""/>
+        <p:cNvGrpSpPr/>
+        <p:nvPr/>
+      </p:nvGrpSpPr>
+      <p:grpSpPr>
+        <a:xfrm>
+          <a:off x="0" y="0"/>
+          <a:ext cx="0" cy="0"/>
+          <a:chOff x="0" y="0"/>
+          <a:chExt cx="0" cy="0"/>
+        </a:xfrm>
+      </p:grpSpPr>
+      <p:sp>
+        <p:nvSpPr>
+          <p:cNvPr id="2" name="Slide Image Placeholder 1"/>
+          <p:cNvSpPr>
+            <a:spLocks noGrp="1" noRot="1" noChangeAspect="1"/>
+          </p:cNvSpPr>
+          <p:nvPr>
+            <p:ph type="sldImg"/>
+          </p:nvPr>
+        </p:nvSpPr>
+        <p:spPr/>
+      </p:sp>
+      <p:sp>
+        <p:nvSpPr>
+          <p:cNvPr id="3" name="Notes Placeholder 2"/>
+          <p:cNvSpPr>
+            <a:spLocks noGrp="1"/>
+          </p:cNvSpPr>
+          <p:nvPr>
+            <p:ph type="body" idx="1"/>
+          </p:nvPr>
+        </p:nvSpPr>
+        <p:spPr/>
+        <p:txBody>
+          <a:bodyPr/>
+          <a:lstStyle/>
+          <a:p>
             <a:r>
               <a:rPr lang="en-US" dirty="0"/>
               <a:t>The Ljung-Box Q-test is a "portmanteau" test that assesses the null hypothesis that </a:t>
@@ -5852,7 +5983,7 @@
           <a:p>
             <a:fld id="{8F72BA41-EC5B-4197-BCC8-0FD2E523CD7A}" type="datetimeFigureOut">
               <a:rPr lang="en-US" smtClean="0"/>
-              <a:t>6/1/2023</a:t>
+              <a:t>01-Jun-23</a:t>
             </a:fld>
             <a:endParaRPr lang="en-US"/>
           </a:p>
@@ -6055,7 +6186,7 @@
           <a:p>
             <a:fld id="{8F72BA41-EC5B-4197-BCC8-0FD2E523CD7A}" type="datetimeFigureOut">
               <a:rPr lang="en-US" smtClean="0"/>
-              <a:t>6/1/2023</a:t>
+              <a:t>01-Jun-23</a:t>
             </a:fld>
             <a:endParaRPr lang="en-US"/>
           </a:p>
@@ -7774,7 +7905,7 @@
           <a:p>
             <a:fld id="{8F72BA41-EC5B-4197-BCC8-0FD2E523CD7A}" type="datetimeFigureOut">
               <a:rPr lang="en-US" smtClean="0"/>
-              <a:t>6/1/2023</a:t>
+              <a:t>01-Jun-23</a:t>
             </a:fld>
             <a:endParaRPr lang="en-US"/>
           </a:p>
@@ -9655,7 +9786,7 @@
           <a:p>
             <a:fld id="{8F72BA41-EC5B-4197-BCC8-0FD2E523CD7A}" type="datetimeFigureOut">
               <a:rPr lang="en-US" smtClean="0"/>
-              <a:t>6/1/2023</a:t>
+              <a:t>01-Jun-23</a:t>
             </a:fld>
             <a:endParaRPr lang="en-US"/>
           </a:p>
@@ -12045,7 +12176,7 @@
           <a:p>
             <a:fld id="{8F72BA41-EC5B-4197-BCC8-0FD2E523CD7A}" type="datetimeFigureOut">
               <a:rPr lang="en-US" smtClean="0"/>
-              <a:t>6/1/2023</a:t>
+              <a:t>01-Jun-23</a:t>
             </a:fld>
             <a:endParaRPr lang="en-US"/>
           </a:p>
@@ -12315,7 +12446,7 @@
           <a:p>
             <a:fld id="{8F72BA41-EC5B-4197-BCC8-0FD2E523CD7A}" type="datetimeFigureOut">
               <a:rPr lang="en-US" smtClean="0"/>
-              <a:t>6/1/2023</a:t>
+              <a:t>01-Jun-23</a:t>
             </a:fld>
             <a:endParaRPr lang="en-US"/>
           </a:p>
@@ -12732,7 +12863,7 @@
           <a:p>
             <a:fld id="{8F72BA41-EC5B-4197-BCC8-0FD2E523CD7A}" type="datetimeFigureOut">
               <a:rPr lang="en-US" smtClean="0"/>
-              <a:t>6/1/2023</a:t>
+              <a:t>01-Jun-23</a:t>
             </a:fld>
             <a:endParaRPr lang="en-US"/>
           </a:p>
@@ -12887,7 +13018,7 @@
           <a:p>
             <a:fld id="{8F72BA41-EC5B-4197-BCC8-0FD2E523CD7A}" type="datetimeFigureOut">
               <a:rPr lang="en-US" smtClean="0"/>
-              <a:t>6/1/2023</a:t>
+              <a:t>01-Jun-23</a:t>
             </a:fld>
             <a:endParaRPr lang="en-US"/>
           </a:p>
@@ -14455,7 +14586,7 @@
           <a:p>
             <a:fld id="{8F72BA41-EC5B-4197-BCC8-0FD2E523CD7A}" type="datetimeFigureOut">
               <a:rPr lang="en-US" smtClean="0"/>
-              <a:t>6/1/2023</a:t>
+              <a:t>01-Jun-23</a:t>
             </a:fld>
             <a:endParaRPr lang="en-US"/>
           </a:p>
@@ -16304,7 +16435,7 @@
           <a:p>
             <a:fld id="{8F72BA41-EC5B-4197-BCC8-0FD2E523CD7A}" type="datetimeFigureOut">
               <a:rPr lang="en-US" smtClean="0"/>
-              <a:t>6/1/2023</a:t>
+              <a:t>01-Jun-23</a:t>
             </a:fld>
             <a:endParaRPr lang="en-US"/>
           </a:p>
@@ -18115,7 +18246,7 @@
           <a:p>
             <a:fld id="{8F72BA41-EC5B-4197-BCC8-0FD2E523CD7A}" type="datetimeFigureOut">
               <a:rPr lang="en-US" smtClean="0"/>
-              <a:t>6/1/2023</a:t>
+              <a:t>01-Jun-23</a:t>
             </a:fld>
             <a:endParaRPr lang="en-US"/>
           </a:p>
@@ -19807,7 +19938,7 @@
             <a:fld id="{8F72BA41-EC5B-4197-BCC8-0FD2E523CD7A}" type="datetimeFigureOut">
               <a:rPr lang="en-US" smtClean="0"/>
               <a:pPr/>
-              <a:t>6/1/2023</a:t>
+              <a:t>01-Jun-23</a:t>
             </a:fld>
             <a:endParaRPr lang="en-US"/>
           </a:p>
@@ -26371,7 +26502,7 @@
           <p:nvPr/>
         </p:nvPicPr>
         <p:blipFill>
-          <a:blip r:embed="rId2"/>
+          <a:blip r:embed="rId3"/>
           <a:stretch>
             <a:fillRect/>
           </a:stretch>
@@ -26541,7 +26672,7 @@
           <p:nvPr/>
         </p:nvPicPr>
         <p:blipFill>
-          <a:blip r:embed="rId3"/>
+          <a:blip r:embed="rId4"/>
           <a:stretch>
             <a:fillRect/>
           </a:stretch>
@@ -26571,7 +26702,7 @@
           <p:nvPr/>
         </p:nvPicPr>
         <p:blipFill>
-          <a:blip r:embed="rId4"/>
+          <a:blip r:embed="rId5"/>
           <a:stretch>
             <a:fillRect/>
           </a:stretch>
@@ -26694,7 +26825,7 @@
           <p:nvPr/>
         </p:nvPicPr>
         <p:blipFill>
-          <a:blip r:embed="rId5"/>
+          <a:blip r:embed="rId6"/>
           <a:stretch>
             <a:fillRect/>
           </a:stretch>

--- a/Presentation 2.pptx
+++ b/Presentation 2.pptx
@@ -27580,7 +27580,7 @@
                 <a:latin typeface="Arial"/>
                 <a:cs typeface="Arial"/>
               </a:rPr>
-              <a:t>VAR </a:t>
+              <a:t>VECM </a:t>
             </a:r>
             <a:r>
               <a:rPr lang="en-US" sz="2200" dirty="0">
@@ -27724,32 +27724,49 @@
       </p:pic>
       <p:pic>
         <p:nvPicPr>
-          <p:cNvPr id="6" name="Picture 9" descr="Table&#10;&#10;Description automatically generated">
+          <p:cNvPr id="1026" name="Picture 2">
             <a:extLst>
               <a:ext uri="{FF2B5EF4-FFF2-40B4-BE49-F238E27FC236}">
-                <a16:creationId xmlns:a16="http://schemas.microsoft.com/office/drawing/2014/main" id="{8BD3FF00-BD9C-5E3A-730D-B7D8F28B1BC4}"/>
+                <a16:creationId xmlns:a16="http://schemas.microsoft.com/office/drawing/2014/main" id="{C8EB00B4-906C-4F63-9EB1-9E070E38B6B3}"/>
               </a:ext>
             </a:extLst>
           </p:cNvPr>
           <p:cNvPicPr>
-            <a:picLocks noChangeAspect="1"/>
+            <a:picLocks noChangeAspect="1" noChangeArrowheads="1"/>
           </p:cNvPicPr>
           <p:nvPr/>
         </p:nvPicPr>
         <p:blipFill>
-          <a:blip r:embed="rId5"/>
+          <a:blip r:embed="rId5">
+            <a:extLst>
+              <a:ext uri="{28A0092B-C50C-407E-A947-70E740481C1C}">
+                <a14:useLocalDpi xmlns:a14="http://schemas.microsoft.com/office/drawing/2010/main" val="0"/>
+              </a:ext>
+            </a:extLst>
+          </a:blip>
+          <a:srcRect/>
           <a:stretch>
             <a:fillRect/>
           </a:stretch>
         </p:blipFill>
-        <p:spPr>
+        <p:spPr bwMode="auto">
           <a:xfrm>
-            <a:off x="130629" y="2454078"/>
-            <a:ext cx="5181600" cy="2537671"/>
+            <a:off x="427117" y="2521295"/>
+            <a:ext cx="4547501" cy="2462504"/>
           </a:xfrm>
           <a:prstGeom prst="rect">
             <a:avLst/>
           </a:prstGeom>
+          <a:noFill/>
+          <a:extLst>
+            <a:ext uri="{909E8E84-426E-40DD-AFC4-6F175D3DCCD1}">
+              <a14:hiddenFill xmlns:a14="http://schemas.microsoft.com/office/drawing/2010/main">
+                <a:solidFill>
+                  <a:srgbClr val="FFFFFF"/>
+                </a:solidFill>
+              </a14:hiddenFill>
+            </a:ext>
+          </a:extLst>
         </p:spPr>
       </p:pic>
     </p:spTree>

--- a/Presentation 2.pptx
+++ b/Presentation 2.pptx
@@ -6,7 +6,7 @@
     <p:sldMasterId id="2147483660" r:id="rId2"/>
   </p:sldMasterIdLst>
   <p:notesMasterIdLst>
-    <p:notesMasterId r:id="rId25"/>
+    <p:notesMasterId r:id="rId23"/>
   </p:notesMasterIdLst>
   <p:sldIdLst>
     <p:sldId id="256" r:id="rId3"/>
@@ -29,8 +29,6 @@
     <p:sldId id="281" r:id="rId20"/>
     <p:sldId id="271" r:id="rId21"/>
     <p:sldId id="260" r:id="rId22"/>
-    <p:sldId id="264" r:id="rId23"/>
-    <p:sldId id="268" r:id="rId24"/>
   </p:sldIdLst>
   <p:sldSz cx="12192000" cy="6858000"/>
   <p:notesSz cx="6858000" cy="9144000"/>
@@ -169,166 +167,6 @@
     <p1510:client id="{F99C0E59-16BB-46C9-95B0-0B2179A3D1D9}" v="426" dt="2023-05-31T15:40:59.292"/>
   </p1510:revLst>
 </p1510:revInfo>
-</file>
-
-<file path=ppt/comments/modernComment_105_FE94D2F1.xml><?xml version="1.0" encoding="utf-8"?>
-<p188:cmLst xmlns:a="http://schemas.openxmlformats.org/drawingml/2006/main" xmlns:r="http://schemas.openxmlformats.org/officeDocument/2006/relationships" xmlns:p188="http://schemas.microsoft.com/office/powerpoint/2018/8/main">
-  <p188:cm id="{D7DBD93D-2E11-4536-BCC8-1F793B6AB56D}" authorId="{977B9B60-61B6-DBC8-903D-1A92253D5906}" created="2023-05-22T20:51:40.651">
-    <pc:sldMkLst xmlns:pc="http://schemas.microsoft.com/office/powerpoint/2013/main/command">
-      <pc:docMk/>
-      <pc:sldMk cId="4271166193" sldId="261"/>
-    </pc:sldMkLst>
-    <p188:txBody>
-      <a:bodyPr/>
-      <a:lstStyle/>
-      <a:p>
-        <a:r>
-          <a:rPr lang="en-GB"/>
-          <a:t>Interpret result: The p-bg is very small -&gt; there are auto-correlation in residuals, even when we add the augmentations, we still cant get rid of auto-correlation. Hence, we test for its 1st difference.</a:t>
-        </a:r>
-      </a:p>
-    </p188:txBody>
-  </p188:cm>
-  <p188:cm id="{A232DB95-4CCA-411D-8C08-9B8A0E65CCBC}" authorId="{977B9B60-61B6-DBC8-903D-1A92253D5906}" created="2023-05-22T20:52:01.777">
-    <pc:sldMkLst xmlns:pc="http://schemas.microsoft.com/office/powerpoint/2013/main/command">
-      <pc:docMk/>
-      <pc:sldMk cId="4271166193" sldId="261"/>
-    </pc:sldMkLst>
-    <p188:txBody>
-      <a:bodyPr/>
-      <a:lstStyle/>
-      <a:p>
-        <a:r>
-          <a:rPr lang="en-GB"/>
-          <a:t>The p-bg is greater than 5% -&gt; there are no auto-correlations in residual Next, we test the stationary of its 1st lag, by checking p-adf. p-adf is smaller than 5%. We can reject the null in the case of the first differences about non-stationary. Its 1st lag is stationary. We can conclude that the Time Series X1 is integrated of order 1.</a:t>
-        </a:r>
-      </a:p>
-    </p188:txBody>
-  </p188:cm>
-</p188:cmLst>
-</file>
-
-<file path=ppt/comments/modernComment_106_20EC5003.xml><?xml version="1.0" encoding="utf-8"?>
-<p188:cmLst xmlns:a="http://schemas.openxmlformats.org/drawingml/2006/main" xmlns:r="http://schemas.openxmlformats.org/officeDocument/2006/relationships" xmlns:p188="http://schemas.microsoft.com/office/powerpoint/2018/8/main">
-  <p188:cm id="{FA7BE9FB-8489-41B0-B5C5-7A7FAF786C24}" authorId="{977B9B60-61B6-DBC8-903D-1A92253D5906}" created="2023-05-22T20:58:38.518">
-    <pc:sldMkLst xmlns:pc="http://schemas.microsoft.com/office/powerpoint/2013/main/command">
-      <pc:docMk/>
-      <pc:sldMk cId="552357891" sldId="262"/>
-    </pc:sldMkLst>
-    <p188:txBody>
-      <a:bodyPr/>
-      <a:lstStyle/>
-      <a:p>
-        <a:r>
-          <a:rPr lang="en-GB"/>
-          <a:t>Interpret result: Similar to X1, the p-bg here is smaller than 5% -&gt; there are auto-correlation in residuals, even when we add the augmentations, we still cant get rid of auto-correlation. Hence, we test for its 1st difference.</a:t>
-        </a:r>
-      </a:p>
-    </p188:txBody>
-  </p188:cm>
-  <p188:cm id="{30F63EC0-32FD-4B73-8E7E-EAA1BE6DBFA4}" authorId="{977B9B60-61B6-DBC8-903D-1A92253D5906}" created="2023-05-22T20:58:51.737">
-    <pc:sldMkLst xmlns:pc="http://schemas.microsoft.com/office/powerpoint/2013/main/command">
-      <pc:docMk/>
-      <pc:sldMk cId="552357891" sldId="262"/>
-    </pc:sldMkLst>
-    <p188:txBody>
-      <a:bodyPr/>
-      <a:lstStyle/>
-      <a:p>
-        <a:r>
-          <a:rPr lang="en-GB"/>
-          <a:t>By adding 1 augmentation, there will be no auto correlation in Residuals. p-adf is greater than 5%, we can reject the null hypothesis in the case the non-stationary of first differences. Its 1st lag is stationary. we can conclude that the Time Series X2 is integrated of order 1.
-Conclusion: As a result, both variables has the same order 1: ∼I(1) so in the next step we can check whether they are cointegrated or not.</a:t>
-        </a:r>
-      </a:p>
-    </p188:txBody>
-  </p188:cm>
-</p188:cmLst>
-</file>
-
-<file path=ppt/comments/modernComment_107_531C8D4B.xml><?xml version="1.0" encoding="utf-8"?>
-<p188:cmLst xmlns:a="http://schemas.openxmlformats.org/drawingml/2006/main" xmlns:r="http://schemas.openxmlformats.org/officeDocument/2006/relationships" xmlns:p188="http://schemas.microsoft.com/office/powerpoint/2018/8/main">
-  <p188:cm id="{6A193E28-81B9-4FCF-949C-4FF99A42D2A0}" authorId="{977B9B60-61B6-DBC8-903D-1A92253D5906}" created="2023-05-22T21:03:02.569">
-    <ac:deMkLst xmlns:ac="http://schemas.microsoft.com/office/drawing/2013/main/command">
-      <pc:docMk xmlns:pc="http://schemas.microsoft.com/office/powerpoint/2013/main/command"/>
-      <pc:sldMk xmlns:pc="http://schemas.microsoft.com/office/powerpoint/2013/main/command" cId="1394380107" sldId="263"/>
-      <ac:spMk id="11" creationId="{A6F49BBE-3655-0EDF-9418-5C0823C3C44B}"/>
-    </ac:deMkLst>
-    <p188:txBody>
-      <a:bodyPr/>
-      <a:lstStyle/>
-      <a:p>
-        <a:r>
-          <a:rPr lang="en-GB"/>
-          <a:t>The ADF test with no augmentations can be used. The result is that non-stationarity of residuals is STRONGLY REJECTED, so residuals are stationary, which means that x1 and x2 are cointegrated.</a:t>
-        </a:r>
-      </a:p>
-    </p188:txBody>
-  </p188:cm>
-</p188:cmLst>
-</file>
-
-<file path=ppt/comments/modernComment_109_660773AD.xml><?xml version="1.0" encoding="utf-8"?>
-<p188:cmLst xmlns:a="http://schemas.openxmlformats.org/drawingml/2006/main" xmlns:r="http://schemas.openxmlformats.org/officeDocument/2006/relationships" xmlns:p188="http://schemas.microsoft.com/office/powerpoint/2018/8/main">
-  <p188:cm id="{3ACF1DD8-D902-430E-A606-EFCE5F6D73C6}" authorId="{977B9B60-61B6-DBC8-903D-1A92253D5906}" created="2023-05-22T21:12:41.892">
-    <pc:sldMkLst xmlns:pc="http://schemas.microsoft.com/office/powerpoint/2013/main/command">
-      <pc:docMk/>
-      <pc:sldMk cId="1711764397" sldId="265"/>
-    </pc:sldMkLst>
-    <p188:txBody>
-      <a:bodyPr/>
-      <a:lstStyle/>
-      <a:p>
-        <a:r>
-          <a:rPr lang="en-GB"/>
-          <a:t>The PACF shown is suggestive of an AR(5) model or AR(7). So an initial candidate model is an ARIMA(5,1,0). We also have some variations of this model: ARIMA(5,1,1), ARIMA(4,1,0), ARIMA(3,1,0), ARIMA(7,1,0).</a:t>
-        </a:r>
-      </a:p>
-    </p188:txBody>
-  </p188:cm>
-</p188:cmLst>
-</file>
-
-<file path=ppt/comments/modernComment_10C_2508152.xml><?xml version="1.0" encoding="utf-8"?>
-<p188:cmLst xmlns:a="http://schemas.openxmlformats.org/drawingml/2006/main" xmlns:r="http://schemas.openxmlformats.org/officeDocument/2006/relationships" xmlns:p188="http://schemas.microsoft.com/office/powerpoint/2018/8/main">
-  <p188:cm id="{9DD7C7B9-DF06-4B83-9A33-DC2990300E38}" authorId="{977B9B60-61B6-DBC8-903D-1A92253D5906}" created="2023-05-23T20:22:38.328">
-    <pc:sldMkLst xmlns:pc="http://schemas.microsoft.com/office/powerpoint/2013/main/command">
-      <pc:docMk/>
-      <pc:sldMk cId="38830418" sldId="268"/>
-    </pc:sldMkLst>
-    <p188:txBody>
-      <a:bodyPr/>
-      <a:lstStyle/>
-      <a:p>
-        <a:r>
-          <a:rPr lang="en-GB"/>
-          <a:t>Three out of four tests suggests K = 6.
-We will choose the K=6 lag structure:</a:t>
-        </a:r>
-      </a:p>
-    </p188:txBody>
-  </p188:cm>
-  <p188:cm id="{464CD650-1A30-403D-93BD-31D3991AFF5B}" authorId="{977B9B60-61B6-DBC8-903D-1A92253D5906}" created="2023-05-23T20:23:01.407">
-    <pc:sldMkLst xmlns:pc="http://schemas.microsoft.com/office/powerpoint/2013/main/command">
-      <pc:docMk/>
-      <pc:sldMk cId="38830418" sldId="268"/>
-    </pc:sldMkLst>
-    <p188:txBody>
-      <a:bodyPr/>
-      <a:lstStyle/>
-      <a:p>
-        <a:r>
-          <a:rPr lang="en-GB"/>
-          <a:t>Test Statistic &lt; Critical Value: CANNOT reject the null
-Test Statistic &gt; Critical Value: reject the null
-First we start with r=0, (no cointegrating vector): t-test statistic &gt; Critical value: we reject the null hypothesis about NO cointerating vector.
-Next, we test the hypothesis of r=1: Test Statistic &lt; Critical Value: we CANNOT reject the null about 1 cointegrating vector.
-The model has ONLY 1 cointegrating vector.</a:t>
-        </a:r>
-      </a:p>
-    </p188:txBody>
-  </p188:cm>
-</p188:cmLst>
 </file>
 
 <file path=ppt/diagrams/colors1.xml><?xml version="1.0" encoding="utf-8"?>
@@ -2997,285 +2835,6 @@
 </inkml:ink>
 </file>
 
-<file path=ppt/ink/ink10.xml><?xml version="1.0" encoding="utf-8"?>
-<inkml:ink xmlns:inkml="http://www.w3.org/2003/InkML">
-  <inkml:definitions>
-    <inkml:context xml:id="ctx0">
-      <inkml:inkSource xml:id="inkSrc0">
-        <inkml:traceFormat>
-          <inkml:channel name="X" type="integer" min="-2.14748E9" max="2.14748E9" units="cm"/>
-          <inkml:channel name="Y" type="integer" min="-2.14748E9" max="2.14748E9" units="cm"/>
-          <inkml:channel name="F" type="integer" max="32767" units="dev"/>
-          <inkml:channel name="OA" type="integer" max="360" units="deg"/>
-          <inkml:channel name="OE" type="integer" max="90" units="deg"/>
-        </inkml:traceFormat>
-        <inkml:channelProperties>
-          <inkml:channelProperty channel="X" name="resolution" value="1000" units="1/cm"/>
-          <inkml:channelProperty channel="Y" name="resolution" value="1000" units="1/cm"/>
-          <inkml:channelProperty channel="F" name="resolution" value="0" units="1/dev"/>
-          <inkml:channelProperty channel="OA" name="resolution" value="1000" units="1/deg"/>
-          <inkml:channelProperty channel="OE" name="resolution" value="1000" units="1/deg"/>
-        </inkml:channelProperties>
-      </inkml:inkSource>
-      <inkml:timestamp xml:id="ts0" timeString="2023-05-25T20:42:11.887"/>
-    </inkml:context>
-    <inkml:brush xml:id="br0">
-      <inkml:brushProperty name="width" value="0.1" units="cm"/>
-      <inkml:brushProperty name="height" value="0.1" units="cm"/>
-    </inkml:brush>
-  </inkml:definitions>
-  <inkml:trace contextRef="#ctx0" brushRef="#br0">10996 4598 16383 0 0,'5'0'0'0'0,"5"0"0"0"0,7 5 0 0 0,0 6 0 0 0,1 5 0 0 0,3 1 0 0 0,-2 2 0 0 0,0 2 0 0 0,1 2 0 0 0,2-3 0 0 0,-2 0 0 0 0,-1-3 0 0 0,-3-1 0 0 0,0-2 0 0 0,2-4 0 0 0,3 1 0 0 0,2-1 0 0 0,-2 2 0 0 0,-1-1 0 0 0,1 2 0 0 0,2 0 0 0 0,1-4 0 0 0,-3 2 0 0 0,-1 0 0 0 0,-3 1 0 0 0,-1 0 0 0 0,2 1 0 0 0,-2 4 0 0 0,1-1 0 0 0,2 1 0 0 0,2 3 0 0 0,-2 2 0 0 0,1-3 0 0 0,0-4 0 0 0,-2-5 0 0 0</inkml:trace>
-</inkml:ink>
-</file>
-
-<file path=ppt/ink/ink11.xml><?xml version="1.0" encoding="utf-8"?>
-<inkml:ink xmlns:inkml="http://www.w3.org/2003/InkML">
-  <inkml:definitions>
-    <inkml:context xml:id="ctx0">
-      <inkml:inkSource xml:id="inkSrc0">
-        <inkml:traceFormat>
-          <inkml:channel name="X" type="integer" min="-2.14748E9" max="2.14748E9" units="cm"/>
-          <inkml:channel name="Y" type="integer" min="-2.14748E9" max="2.14748E9" units="cm"/>
-          <inkml:channel name="F" type="integer" max="32767" units="dev"/>
-          <inkml:channel name="OA" type="integer" max="360" units="deg"/>
-          <inkml:channel name="OE" type="integer" max="90" units="deg"/>
-        </inkml:traceFormat>
-        <inkml:channelProperties>
-          <inkml:channelProperty channel="X" name="resolution" value="1000" units="1/cm"/>
-          <inkml:channelProperty channel="Y" name="resolution" value="1000" units="1/cm"/>
-          <inkml:channelProperty channel="F" name="resolution" value="0" units="1/dev"/>
-          <inkml:channelProperty channel="OA" name="resolution" value="1000" units="1/deg"/>
-          <inkml:channelProperty channel="OE" name="resolution" value="1000" units="1/deg"/>
-        </inkml:channelProperties>
-      </inkml:inkSource>
-      <inkml:timestamp xml:id="ts0" timeString="2023-05-25T20:42:11.888"/>
-    </inkml:context>
-    <inkml:brush xml:id="br0">
-      <inkml:brushProperty name="width" value="0.1" units="cm"/>
-      <inkml:brushProperty name="height" value="0.1" units="cm"/>
-    </inkml:brush>
-  </inkml:definitions>
-  <inkml:trace contextRef="#ctx0" brushRef="#br0">11881 5134 16383 0 0,'-4'-5'0'0'0,"-7"-5"0"0"0,-6-7 0 0 0,1-4 0 0 0,-3 1 0 0 0,-2-1 0 0 0,-2-1 0 0 0,-2 3 0 0 0,3 0 0 0 0,2-1 0 0 0,-2-2 0 0 0,-1-2 0 0 0,3-1 0 0 0,1 3 0 0 0,3 1 0 0 0,0 0 0 0 0,-2 3 0 0 0,2 0 0 0 0,4-2 0 0 0,-1 3 0 0 0,2 0 0 0 0,-2 2 0 0 0,-3 0 0 0 0,1-3 0 0 0,3-3 0 0 0,-1 3 0 0 0,-3 4 0 0 0,2 4 0 0 0</inkml:trace>
-</inkml:ink>
-</file>
-
-<file path=ppt/ink/ink12.xml><?xml version="1.0" encoding="utf-8"?>
-<inkml:ink xmlns:inkml="http://www.w3.org/2003/InkML">
-  <inkml:definitions>
-    <inkml:context xml:id="ctx0">
-      <inkml:inkSource xml:id="inkSrc0">
-        <inkml:traceFormat>
-          <inkml:channel name="X" type="integer" min="-2.14748E9" max="2.14748E9" units="cm"/>
-          <inkml:channel name="Y" type="integer" min="-2.14748E9" max="2.14748E9" units="cm"/>
-          <inkml:channel name="F" type="integer" max="32767" units="dev"/>
-          <inkml:channel name="OA" type="integer" max="360" units="deg"/>
-          <inkml:channel name="OE" type="integer" max="90" units="deg"/>
-        </inkml:traceFormat>
-        <inkml:channelProperties>
-          <inkml:channelProperty channel="X" name="resolution" value="1000" units="1/cm"/>
-          <inkml:channelProperty channel="Y" name="resolution" value="1000" units="1/cm"/>
-          <inkml:channelProperty channel="F" name="resolution" value="0" units="1/dev"/>
-          <inkml:channelProperty channel="OA" name="resolution" value="1000" units="1/deg"/>
-          <inkml:channelProperty channel="OE" name="resolution" value="1000" units="1/deg"/>
-        </inkml:channelProperties>
-      </inkml:inkSource>
-      <inkml:timestamp xml:id="ts0" timeString="2023-05-25T20:42:11.889"/>
-    </inkml:context>
-    <inkml:brush xml:id="br0">
-      <inkml:brushProperty name="width" value="0.1" units="cm"/>
-      <inkml:brushProperty name="height" value="0.1" units="cm"/>
-    </inkml:brush>
-  </inkml:definitions>
-  <inkml:trace contextRef="#ctx0" brushRef="#br0">11144 4958 16383 0 0,'5'0'0'0'0,"6"0"0"0"0,5 0 0 0 0,6 0 0 0 0,2 0 0 0 0,3 0 0 0 0,1 0 0 0 0,0 0 0 0 0,0 0 0 0 0,1 0 0 0 0,-2 0 0 0 0,1 0 0 0 0,-1 0 0 0 0,1 0 0 0 0,-1 0 0 0 0,0 0 0 0 0,0 0 0 0 0,0 0 0 0 0,0 0 0 0 0,0 0 0 0 0,0 0 0 0 0,1 0 0 0 0,-1 0 0 0 0,4 0 0 0 0,3 0 0 0 0,-1 0 0 0 0,-1 0 0 0 0,-2 0 0 0 0,-5 0 0 0 0</inkml:trace>
-</inkml:ink>
-</file>
-
-<file path=ppt/ink/ink13.xml><?xml version="1.0" encoding="utf-8"?>
-<inkml:ink xmlns:inkml="http://www.w3.org/2003/InkML">
-  <inkml:definitions>
-    <inkml:context xml:id="ctx0">
-      <inkml:inkSource xml:id="inkSrc0">
-        <inkml:traceFormat>
-          <inkml:channel name="X" type="integer" min="-2.14748E9" max="2.14748E9" units="cm"/>
-          <inkml:channel name="Y" type="integer" min="-2.14748E9" max="2.14748E9" units="cm"/>
-          <inkml:channel name="F" type="integer" max="32767" units="dev"/>
-          <inkml:channel name="OA" type="integer" max="360" units="deg"/>
-          <inkml:channel name="OE" type="integer" max="90" units="deg"/>
-        </inkml:traceFormat>
-        <inkml:channelProperties>
-          <inkml:channelProperty channel="X" name="resolution" value="1000" units="1/cm"/>
-          <inkml:channelProperty channel="Y" name="resolution" value="1000" units="1/cm"/>
-          <inkml:channelProperty channel="F" name="resolution" value="0" units="1/dev"/>
-          <inkml:channelProperty channel="OA" name="resolution" value="1000" units="1/deg"/>
-          <inkml:channelProperty channel="OE" name="resolution" value="1000" units="1/deg"/>
-        </inkml:channelProperties>
-      </inkml:inkSource>
-      <inkml:timestamp xml:id="ts0" timeString="2023-05-25T20:42:11.890"/>
-    </inkml:context>
-    <inkml:brush xml:id="br0">
-      <inkml:brushProperty name="width" value="0.1" units="cm"/>
-      <inkml:brushProperty name="height" value="0.1" units="cm"/>
-    </inkml:brush>
-  </inkml:definitions>
-  <inkml:trace contextRef="#ctx0" brushRef="#br0">22871 8514 16383 0 0,'0'0'0'0'0</inkml:trace>
-</inkml:ink>
-</file>
-
-<file path=ppt/ink/ink14.xml><?xml version="1.0" encoding="utf-8"?>
-<inkml:ink xmlns:inkml="http://www.w3.org/2003/InkML">
-  <inkml:definitions>
-    <inkml:context xml:id="ctx0">
-      <inkml:inkSource xml:id="inkSrc0">
-        <inkml:traceFormat>
-          <inkml:channel name="X" type="integer" min="-2.14748E9" max="2.14748E9" units="cm"/>
-          <inkml:channel name="Y" type="integer" min="-2.14748E9" max="2.14748E9" units="cm"/>
-          <inkml:channel name="F" type="integer" max="32767" units="dev"/>
-          <inkml:channel name="OA" type="integer" max="360" units="deg"/>
-          <inkml:channel name="OE" type="integer" max="90" units="deg"/>
-        </inkml:traceFormat>
-        <inkml:channelProperties>
-          <inkml:channelProperty channel="X" name="resolution" value="1000" units="1/cm"/>
-          <inkml:channelProperty channel="Y" name="resolution" value="1000" units="1/cm"/>
-          <inkml:channelProperty channel="F" name="resolution" value="0" units="1/dev"/>
-          <inkml:channelProperty channel="OA" name="resolution" value="1000" units="1/deg"/>
-          <inkml:channelProperty channel="OE" name="resolution" value="1000" units="1/deg"/>
-        </inkml:channelProperties>
-      </inkml:inkSource>
-      <inkml:timestamp xml:id="ts0" timeString="2023-05-25T20:42:11.891"/>
-    </inkml:context>
-    <inkml:brush xml:id="br0">
-      <inkml:brushProperty name="width" value="0.1" units="cm"/>
-      <inkml:brushProperty name="height" value="0.1" units="cm"/>
-    </inkml:brush>
-  </inkml:definitions>
-  <inkml:trace contextRef="#ctx0" brushRef="#br0">22151 5339 16383 0 0,'14'5'0'0'0,"18"6"0"0"0,9 10 0 0 0,10 6 0 0 0,7 4 0 0 0,-3 0 0 0 0,-5 1 0 0 0,-3 3 0 0 0,1-4 0 0 0,-9-3 0 0 0,-10-1 0 0 0,-6-1 0 0 0,-2-1 0 0 0,0 1 0 0 0,-3 1 0 0 0,-1 4 0 0 0,2 2 0 0 0,6 4 0 0 0,5 10 0 0 0,1 7 0 0 0,-1 2 0 0 0,-4-3 0 0 0,2 8 0 0 0,6 12 0 0 0,1 7 0 0 0,0 9 0 0 0,2 7 0 0 0,1 2 0 0 0,-7-3 0 0 0,1-2 0 0 0,-6 0 0 0 0,-1-6 0 0 0,-2 0 0 0 0,-4-9 0 0 0,0-5 0 0 0,-5-9 0 0 0,1-7 0 0 0,-2-4 0 0 0,-3-2 0 0 0,-4-5 0 0 0,-3 0 0 0 0,-1-5 0 0 0,-2-3 0 0 0,-1 0 0 0 0,5-6 0 0 0,2 1 0 0 0,4 8 0 0 0,0 2 0 0 0,-1 8 0 0 0,2 4 0 0 0,0 2 0 0 0,2 1 0 0 0,-1-6 0 0 0,-3-1 0 0 0,-2-6 0 0 0,-3 0 0 0 0,3-9 0 0 0,0-1 0 0 0,-2-1 0 0 0,0-3 0 0 0,-3-1 0 0 0,0-2 0 0 0,-1 0 0 0 0,-1-1 0 0 0,0 0 0 0 0,-1-1 0 0 0,1 1 0 0 0,0 0 0 0 0,0 0 0 0 0,0 0 0 0 0,-1 0 0 0 0,1 0 0 0 0,0 0 0 0 0,0 1 0 0 0,0-1 0 0 0,0 0 0 0 0,0 0 0 0 0,0 0 0 0 0,0 0 0 0 0,0 0 0 0 0,0 1 0 0 0,0-1 0 0 0,0-5 0 0 0</inkml:trace>
-</inkml:ink>
-</file>
-
-<file path=ppt/ink/ink15.xml><?xml version="1.0" encoding="utf-8"?>
-<inkml:ink xmlns:inkml="http://www.w3.org/2003/InkML">
-  <inkml:definitions>
-    <inkml:context xml:id="ctx0">
-      <inkml:inkSource xml:id="inkSrc0">
-        <inkml:traceFormat>
-          <inkml:channel name="X" type="integer" min="-2.14748E9" max="2.14748E9" units="cm"/>
-          <inkml:channel name="Y" type="integer" min="-2.14748E9" max="2.14748E9" units="cm"/>
-          <inkml:channel name="F" type="integer" max="32767" units="dev"/>
-          <inkml:channel name="OA" type="integer" max="360" units="deg"/>
-          <inkml:channel name="OE" type="integer" max="90" units="deg"/>
-        </inkml:traceFormat>
-        <inkml:channelProperties>
-          <inkml:channelProperty channel="X" name="resolution" value="1000" units="1/cm"/>
-          <inkml:channelProperty channel="Y" name="resolution" value="1000" units="1/cm"/>
-          <inkml:channelProperty channel="F" name="resolution" value="0" units="1/dev"/>
-          <inkml:channelProperty channel="OA" name="resolution" value="1000" units="1/deg"/>
-          <inkml:channelProperty channel="OE" name="resolution" value="1000" units="1/deg"/>
-        </inkml:channelProperties>
-      </inkml:inkSource>
-      <inkml:timestamp xml:id="ts0" timeString="2023-05-25T20:42:11.892"/>
-    </inkml:context>
-    <inkml:brush xml:id="br0">
-      <inkml:brushProperty name="width" value="0.1" units="cm"/>
-      <inkml:brushProperty name="height" value="0.1" units="cm"/>
-    </inkml:brush>
-  </inkml:definitions>
-  <inkml:trace contextRef="#ctx0" brushRef="#br0">23279 8193 16383 0 0,'-4'0'0'0'0,"-7"0"0"0"0,-6 0 0 0 0,1-5 0 0 0,-3-1 0 0 0,-2-5 0 0 0,3-4 0 0 0,-1 0 0 0 0,3-3 0 0 0,0 3 0 0 0,-2 3 0 0 0,-3 4 0 0 0,2-1 0 0 0,1 1 0 0 0,2-3 0 0 0,0 0 0 0 0,-3 2 0 0 0,3-1 0 0 0,-1 0 0 0 0,-2 2 0 0 0,-3 2 0 0 0,3-2 0 0 0,0-4 0 0 0,-2-5 0 0 0,-1 0 0 0 0,-2 3 0 0 0,-2 5 0 0 0,4 3 0 0 0</inkml:trace>
-</inkml:ink>
-</file>
-
-<file path=ppt/ink/ink16.xml><?xml version="1.0" encoding="utf-8"?>
-<inkml:ink xmlns:inkml="http://www.w3.org/2003/InkML">
-  <inkml:definitions>
-    <inkml:context xml:id="ctx0">
-      <inkml:inkSource xml:id="inkSrc0">
-        <inkml:traceFormat>
-          <inkml:channel name="X" type="integer" min="-2.14748E9" max="2.14748E9" units="cm"/>
-          <inkml:channel name="Y" type="integer" min="-2.14748E9" max="2.14748E9" units="cm"/>
-          <inkml:channel name="F" type="integer" max="32767" units="dev"/>
-          <inkml:channel name="OA" type="integer" max="360" units="deg"/>
-          <inkml:channel name="OE" type="integer" max="90" units="deg"/>
-        </inkml:traceFormat>
-        <inkml:channelProperties>
-          <inkml:channelProperty channel="X" name="resolution" value="1000" units="1/cm"/>
-          <inkml:channelProperty channel="Y" name="resolution" value="1000" units="1/cm"/>
-          <inkml:channelProperty channel="F" name="resolution" value="0" units="1/dev"/>
-          <inkml:channelProperty channel="OA" name="resolution" value="1000" units="1/deg"/>
-          <inkml:channelProperty channel="OE" name="resolution" value="1000" units="1/deg"/>
-        </inkml:channelProperties>
-      </inkml:inkSource>
-      <inkml:timestamp xml:id="ts0" timeString="2023-05-25T20:42:11.893"/>
-    </inkml:context>
-    <inkml:brush xml:id="br0">
-      <inkml:brushProperty name="width" value="0.1" units="cm"/>
-      <inkml:brushProperty name="height" value="0.1" units="cm"/>
-    </inkml:brush>
-  </inkml:definitions>
-  <inkml:trace contextRef="#ctx0" brushRef="#br0">23082 10398 16383 0 0,'0'9'0'0'0,"0"17"0"0"0,0 28 0 0 0,0 22 0 0 0,0 17 0 0 0,0 2 0 0 0,0 8 0 0 0,0-5 0 0 0,0 0 0 0 0,0-12 0 0 0,0-7 0 0 0,0-12 0 0 0,0-9 0 0 0,0-9 0 0 0,0-4 0 0 0,0-5 0 0 0,0-4 0 0 0,0 0 0 0 0,0-1 0 0 0,0-1 0 0 0,0-3 0 0 0,0-2 0 0 0,0 4 0 0 0,0 1 0 0 0,0-1 0 0 0,5-2 0 0 0,1-1 0 0 0,0-1 0 0 0,-1-1 0 0 0,3 4 0 0 0,0 1 0 0 0,-1 0 0 0 0,-2-1 0 0 0,-2-2 0 0 0,-1-1 0 0 0,-1-1 0 0 0,-1 0 0 0 0,0-1 0 0 0,0 0 0 0 0,4 0 0 0 0,2-1 0 0 0,-1 1 0 0 0,0 5 0 0 0,-2 1 0 0 0,4 0 0 0 0,0-1 0 0 0,-1-2 0 0 0,-1 4 0 0 0,3 1 0 0 0,0-2 0 0 0,-1-1 0 0 0,-2-2 0 0 0,-2-1 0 0 0,-1-1 0 0 0,-2 0 0 0 0,1-1 0 0 0,-2-1 0 0 0,1 1 0 0 0,0 0 0 0 0,-1 0 0 0 0,1 0 0 0 0,0 0 0 0 0,0 0 0 0 0,0 0 0 0 0,0 1 0 0 0,0-1 0 0 0,0 0 0 0 0,0 5 0 0 0,0 1 0 0 0,0 0 0 0 0,0-1 0 0 0,0-2 0 0 0,0-1 0 0 0,0 0 0 0 0,0-2 0 0 0,0 0 0 0 0,0 0 0 0 0,0 0 0 0 0,0 0 0 0 0,0 0 0 0 0,0 0 0 0 0,0-5 0 0 0</inkml:trace>
-</inkml:ink>
-</file>
-
-<file path=ppt/ink/ink17.xml><?xml version="1.0" encoding="utf-8"?>
-<inkml:ink xmlns:inkml="http://www.w3.org/2003/InkML">
-  <inkml:definitions>
-    <inkml:context xml:id="ctx0">
-      <inkml:inkSource xml:id="inkSrc0">
-        <inkml:traceFormat>
-          <inkml:channel name="X" type="integer" min="-2.14748E9" max="2.14748E9" units="cm"/>
-          <inkml:channel name="Y" type="integer" min="-2.14748E9" max="2.14748E9" units="cm"/>
-          <inkml:channel name="F" type="integer" max="32767" units="dev"/>
-          <inkml:channel name="OA" type="integer" max="360" units="deg"/>
-          <inkml:channel name="OE" type="integer" max="90" units="deg"/>
-        </inkml:traceFormat>
-        <inkml:channelProperties>
-          <inkml:channelProperty channel="X" name="resolution" value="1000" units="1/cm"/>
-          <inkml:channelProperty channel="Y" name="resolution" value="1000" units="1/cm"/>
-          <inkml:channelProperty channel="F" name="resolution" value="0" units="1/dev"/>
-          <inkml:channelProperty channel="OA" name="resolution" value="1000" units="1/deg"/>
-          <inkml:channelProperty channel="OE" name="resolution" value="1000" units="1/deg"/>
-        </inkml:channelProperties>
-      </inkml:inkSource>
-      <inkml:timestamp xml:id="ts0" timeString="2023-05-25T20:42:11.894"/>
-    </inkml:context>
-    <inkml:brush xml:id="br0">
-      <inkml:brushProperty name="width" value="0.1" units="cm"/>
-      <inkml:brushProperty name="height" value="0.1" units="cm"/>
-    </inkml:brush>
-  </inkml:definitions>
-  <inkml:trace contextRef="#ctx0" brushRef="#br0">23292 12856 16383 0 0,'0'-4'0'0'0,"-5"-2"0"0"0,-6-5 0 0 0,-1-4 0 0 0,-3-1 0 0 0,-4 4 0 0 0,2-2 0 0 0,-2 2 0 0 0,4-2 0 0 0,-2-3 0 0 0,-1 2 0 0 0,1-2 0 0 0,0-2 0 0 0,-2 2 0 0 0,-3-1 0 0 0,-2 3 0 0 0,-1-1 0 0 0,-2-2 0 0 0,0 1 0 0 0,4 0 0 0 0,2-2 0 0 0,-1 2 0 0 0,4 0 0 0 0,0 2 0 0 0,3-1 0 0 0,0 2 0 0 0,2 5 0 0 0</inkml:trace>
-</inkml:ink>
-</file>
-
-<file path=ppt/ink/ink18.xml><?xml version="1.0" encoding="utf-8"?>
-<inkml:ink xmlns:inkml="http://www.w3.org/2003/InkML">
-  <inkml:definitions>
-    <inkml:context xml:id="ctx0">
-      <inkml:inkSource xml:id="inkSrc0">
-        <inkml:traceFormat>
-          <inkml:channel name="X" type="integer" min="-2.14748E9" max="2.14748E9" units="cm"/>
-          <inkml:channel name="Y" type="integer" min="-2.14748E9" max="2.14748E9" units="cm"/>
-          <inkml:channel name="F" type="integer" max="32767" units="dev"/>
-          <inkml:channel name="OA" type="integer" max="360" units="deg"/>
-          <inkml:channel name="OE" type="integer" max="90" units="deg"/>
-        </inkml:traceFormat>
-        <inkml:channelProperties>
-          <inkml:channelProperty channel="X" name="resolution" value="1000" units="1/cm"/>
-          <inkml:channelProperty channel="Y" name="resolution" value="1000" units="1/cm"/>
-          <inkml:channelProperty channel="F" name="resolution" value="0" units="1/dev"/>
-          <inkml:channelProperty channel="OA" name="resolution" value="1000" units="1/deg"/>
-          <inkml:channelProperty channel="OE" name="resolution" value="1000" units="1/deg"/>
-        </inkml:channelProperties>
-      </inkml:inkSource>
-      <inkml:timestamp xml:id="ts0" timeString="2023-05-25T20:42:11.895"/>
-    </inkml:context>
-    <inkml:brush xml:id="br0">
-      <inkml:brushProperty name="width" value="0.1" units="cm"/>
-      <inkml:brushProperty name="height" value="0.1" units="cm"/>
-    </inkml:brush>
-  </inkml:definitions>
-  <inkml:trace contextRef="#ctx0" brushRef="#br0">23209 12795 16383 0 0,'5'-4'0'0'0,"1"-7"0"0"0,4-6 0 0 0,6 1 0 0 0,-1-3 0 0 0,3 3 0 0 0,-3-1 0 0 0,1-2 0 0 0,3-3 0 0 0,-2-2 0 0 0,0 4 0 0 0,3 4 0 0 0,-3 1 0 0 0,0-2 0 0 0,3-3 0 0 0,2-2 0 0 0,2 3 0 0 0,-3-1 0 0 0,-1 3 0 0 0,-3 1 0 0 0,-1 2 0 0 0,-2-1 0 0 0,-4-2 0 0 0,-4 1 0 0 0</inkml:trace>
-</inkml:ink>
-</file>
-
 <file path=ppt/ink/ink2.xml><?xml version="1.0" encoding="utf-8"?>
 <inkml:ink xmlns:inkml="http://www.w3.org/2003/InkML">
   <inkml:definitions>
@@ -3304,223 +2863,6 @@
     </inkml:brush>
   </inkml:definitions>
   <inkml:trace contextRef="#ctx0" brushRef="#br0">10107 11859 16383 0 0,'0'0'0'0'0</inkml:trace>
-</inkml:ink>
-</file>
-
-<file path=ppt/ink/ink3.xml><?xml version="1.0" encoding="utf-8"?>
-<inkml:ink xmlns:inkml="http://www.w3.org/2003/InkML">
-  <inkml:definitions>
-    <inkml:context xml:id="ctx0">
-      <inkml:inkSource xml:id="inkSrc0">
-        <inkml:traceFormat>
-          <inkml:channel name="X" type="integer" min="-2.14748E9" max="2.14748E9" units="cm"/>
-          <inkml:channel name="Y" type="integer" min="-2.14748E9" max="2.14748E9" units="cm"/>
-          <inkml:channel name="F" type="integer" max="32767" units="dev"/>
-          <inkml:channel name="OA" type="integer" max="360" units="deg"/>
-          <inkml:channel name="OE" type="integer" max="90" units="deg"/>
-        </inkml:traceFormat>
-        <inkml:channelProperties>
-          <inkml:channelProperty channel="X" name="resolution" value="1000" units="1/cm"/>
-          <inkml:channelProperty channel="Y" name="resolution" value="1000" units="1/cm"/>
-          <inkml:channelProperty channel="F" name="resolution" value="0" units="1/dev"/>
-          <inkml:channelProperty channel="OA" name="resolution" value="1000" units="1/deg"/>
-          <inkml:channelProperty channel="OE" name="resolution" value="1000" units="1/deg"/>
-        </inkml:channelProperties>
-      </inkml:inkSource>
-      <inkml:timestamp xml:id="ts0" timeString="2023-05-23T19:56:55.040"/>
-    </inkml:context>
-    <inkml:brush xml:id="br0">
-      <inkml:brushProperty name="width" value="0.1" units="cm"/>
-      <inkml:brushProperty name="height" value="0.1" units="cm"/>
-    </inkml:brush>
-  </inkml:definitions>
-  <inkml:trace contextRef="#ctx0" brushRef="#br0">5408 8705 16383 0 0,'0'0'0'0'0</inkml:trace>
-</inkml:ink>
-</file>
-
-<file path=ppt/ink/ink4.xml><?xml version="1.0" encoding="utf-8"?>
-<inkml:ink xmlns:inkml="http://www.w3.org/2003/InkML">
-  <inkml:definitions>
-    <inkml:context xml:id="ctx0">
-      <inkml:inkSource xml:id="inkSrc0">
-        <inkml:traceFormat>
-          <inkml:channel name="X" type="integer" min="-2.14748E9" max="2.14748E9" units="cm"/>
-          <inkml:channel name="Y" type="integer" min="-2.14748E9" max="2.14748E9" units="cm"/>
-          <inkml:channel name="F" type="integer" max="32767" units="dev"/>
-          <inkml:channel name="OA" type="integer" max="360" units="deg"/>
-          <inkml:channel name="OE" type="integer" max="90" units="deg"/>
-        </inkml:traceFormat>
-        <inkml:channelProperties>
-          <inkml:channelProperty channel="X" name="resolution" value="1000" units="1/cm"/>
-          <inkml:channelProperty channel="Y" name="resolution" value="1000" units="1/cm"/>
-          <inkml:channelProperty channel="F" name="resolution" value="0" units="1/dev"/>
-          <inkml:channelProperty channel="OA" name="resolution" value="1000" units="1/deg"/>
-          <inkml:channelProperty channel="OE" name="resolution" value="1000" units="1/deg"/>
-        </inkml:channelProperties>
-      </inkml:inkSource>
-      <inkml:timestamp xml:id="ts0" timeString="2023-05-25T20:42:11.881"/>
-    </inkml:context>
-    <inkml:brush xml:id="br0">
-      <inkml:brushProperty name="width" value="0.1" units="cm"/>
-      <inkml:brushProperty name="height" value="0.1" units="cm"/>
-    </inkml:brush>
-  </inkml:definitions>
-  <inkml:trace contextRef="#ctx0" brushRef="#br0">3905 9869 16383 0 0,'0'5'0'0'0,"0"5"0"0"0,0 7 0 0 0,0 4 0 0 0,0 4 0 0 0,0 2 0 0 0,0 1 0 0 0,0 4 0 0 0,0 3 0 0 0,0-1 0 0 0,0-2 0 0 0,0-1 0 0 0,0-1 0 0 0,0-2 0 0 0,0 0 0 0 0,0-1 0 0 0,0 5 0 0 0,0 0 0 0 0,0 1 0 0 0,0-1 0 0 0,0-2 0 0 0,0-1 0 0 0,0-1 0 0 0,0 5 0 0 0,0 4 0 0 0,0 2 0 0 0,0-1 0 0 0,0-3 0 0 0,0 2 0 0 0,0-1 0 0 0,0-1 0 0 0,0-3 0 0 0,0-2 0 0 0,0-1 0 0 0,0-1 0 0 0,0-1 0 0 0,0 0 0 0 0,0-1 0 0 0,0 1 0 0 0,0 0 0 0 0,0 0 0 0 0,0-5 0 0 0</inkml:trace>
-</inkml:ink>
-</file>
-
-<file path=ppt/ink/ink5.xml><?xml version="1.0" encoding="utf-8"?>
-<inkml:ink xmlns:inkml="http://www.w3.org/2003/InkML">
-  <inkml:definitions>
-    <inkml:context xml:id="ctx0">
-      <inkml:inkSource xml:id="inkSrc0">
-        <inkml:traceFormat>
-          <inkml:channel name="X" type="integer" min="-2.14748E9" max="2.14748E9" units="cm"/>
-          <inkml:channel name="Y" type="integer" min="-2.14748E9" max="2.14748E9" units="cm"/>
-          <inkml:channel name="F" type="integer" max="32767" units="dev"/>
-          <inkml:channel name="OA" type="integer" max="360" units="deg"/>
-          <inkml:channel name="OE" type="integer" max="90" units="deg"/>
-        </inkml:traceFormat>
-        <inkml:channelProperties>
-          <inkml:channelProperty channel="X" name="resolution" value="1000" units="1/cm"/>
-          <inkml:channelProperty channel="Y" name="resolution" value="1000" units="1/cm"/>
-          <inkml:channelProperty channel="F" name="resolution" value="0" units="1/dev"/>
-          <inkml:channelProperty channel="OA" name="resolution" value="1000" units="1/deg"/>
-          <inkml:channelProperty channel="OE" name="resolution" value="1000" units="1/deg"/>
-        </inkml:channelProperties>
-      </inkml:inkSource>
-      <inkml:timestamp xml:id="ts0" timeString="2023-05-25T20:42:11.882"/>
-    </inkml:context>
-    <inkml:brush xml:id="br0">
-      <inkml:brushProperty name="width" value="0.1" units="cm"/>
-      <inkml:brushProperty name="height" value="0.1" units="cm"/>
-    </inkml:brush>
-  </inkml:definitions>
-  <inkml:trace contextRef="#ctx0" brushRef="#br0">4075 10922 16383 0 0,'-4'0'0'0'0,"-12"0"0"0"0,-7-4 0 0 0,-4-2 0 0 0,3-5 0 0 0,0 0 0 0 0,-1 2 0 0 0,1-2 0 0 0,-2 0 0 0 0,0 3 0 0 0,0-3 0 0 0,-1 2 0 0 0,0-4 0 0 0,-1 2 0 0 0,1 2 0 0 0,0-2 0 0 0,4-4 0 0 0,2 1 0 0 0,0 3 0 0 0,-2-2 0 0 0,0 2 0 0 0,-2 2 0 0 0,3-1 0 0 0,2 0 0 0 0,-2 3 0 0 0,4-3 0 0 0,0 1 0 0 0,-1-3 0 0 0,-3 0 0 0 0,4-2 0 0 0,-1-3 0 0 0,-2 1 0 0 0,-1 4 0 0 0,2-2 0 0 0,6 2 0 0 0</inkml:trace>
-</inkml:ink>
-</file>
-
-<file path=ppt/ink/ink6.xml><?xml version="1.0" encoding="utf-8"?>
-<inkml:ink xmlns:inkml="http://www.w3.org/2003/InkML">
-  <inkml:definitions>
-    <inkml:context xml:id="ctx0">
-      <inkml:inkSource xml:id="inkSrc0">
-        <inkml:traceFormat>
-          <inkml:channel name="X" type="integer" min="-2.14748E9" max="2.14748E9" units="cm"/>
-          <inkml:channel name="Y" type="integer" min="-2.14748E9" max="2.14748E9" units="cm"/>
-          <inkml:channel name="F" type="integer" max="32767" units="dev"/>
-          <inkml:channel name="OA" type="integer" max="360" units="deg"/>
-          <inkml:channel name="OE" type="integer" max="90" units="deg"/>
-        </inkml:traceFormat>
-        <inkml:channelProperties>
-          <inkml:channelProperty channel="X" name="resolution" value="1000" units="1/cm"/>
-          <inkml:channelProperty channel="Y" name="resolution" value="1000" units="1/cm"/>
-          <inkml:channelProperty channel="F" name="resolution" value="0" units="1/dev"/>
-          <inkml:channelProperty channel="OA" name="resolution" value="1000" units="1/deg"/>
-          <inkml:channelProperty channel="OE" name="resolution" value="1000" units="1/deg"/>
-        </inkml:channelProperties>
-      </inkml:inkSource>
-      <inkml:timestamp xml:id="ts0" timeString="2023-05-25T20:42:11.883"/>
-    </inkml:context>
-    <inkml:brush xml:id="br0">
-      <inkml:brushProperty name="width" value="0.1" units="cm"/>
-      <inkml:brushProperty name="height" value="0.1" units="cm"/>
-    </inkml:brush>
-  </inkml:definitions>
-  <inkml:trace contextRef="#ctx0" brushRef="#br0">3884 10932 16383 0 0,'5'-5'0'0'0,"5"-1"0"0"0,7 0 0 0 0,4-3 0 0 0,4 0 0 0 0,-3-4 0 0 0,0 1 0 0 0,0 2 0 0 0,2 4 0 0 0,1-3 0 0 0,-4-4 0 0 0,-1 0 0 0 0,1-2 0 0 0,2 1 0 0 0,1 3 0 0 0,1 4 0 0 0,1-2 0 0 0,-3-4 0 0 0,-2 0 0 0 0,0 3 0 0 0,2 2 0 0 0,-4-1 0 0 0,1 0 0 0 0,-5-3 0 0 0,1 1 0 0 0,2 3 0 0 0,-2-3 0 0 0,1 1 0 0 0,2 2 0 0 0,2-2 0 0 0,-2-5 0 0 0,1 2 0 0 0,0 2 0 0 0,-2-2 0 0 0,-4-3 0 0 0,-1 1 0 0 0,3 4 0 0 0,3 3 0 0 0,-2 3 0 0 0</inkml:trace>
-</inkml:ink>
-</file>
-
-<file path=ppt/ink/ink7.xml><?xml version="1.0" encoding="utf-8"?>
-<inkml:ink xmlns:inkml="http://www.w3.org/2003/InkML">
-  <inkml:definitions>
-    <inkml:context xml:id="ctx0">
-      <inkml:inkSource xml:id="inkSrc0">
-        <inkml:traceFormat>
-          <inkml:channel name="X" type="integer" min="-2.14748E9" max="2.14748E9" units="cm"/>
-          <inkml:channel name="Y" type="integer" min="-2.14748E9" max="2.14748E9" units="cm"/>
-          <inkml:channel name="F" type="integer" max="32767" units="dev"/>
-          <inkml:channel name="OA" type="integer" max="360" units="deg"/>
-          <inkml:channel name="OE" type="integer" max="90" units="deg"/>
-        </inkml:traceFormat>
-        <inkml:channelProperties>
-          <inkml:channelProperty channel="X" name="resolution" value="1000" units="1/cm"/>
-          <inkml:channelProperty channel="Y" name="resolution" value="1000" units="1/cm"/>
-          <inkml:channelProperty channel="F" name="resolution" value="0" units="1/dev"/>
-          <inkml:channelProperty channel="OA" name="resolution" value="1000" units="1/deg"/>
-          <inkml:channelProperty channel="OE" name="resolution" value="1000" units="1/deg"/>
-        </inkml:channelProperties>
-      </inkml:inkSource>
-      <inkml:timestamp xml:id="ts0" timeString="2023-05-25T20:42:11.884"/>
-    </inkml:context>
-    <inkml:brush xml:id="br0">
-      <inkml:brushProperty name="width" value="0.1" units="cm"/>
-      <inkml:brushProperty name="height" value="0.1" units="cm"/>
-    </inkml:brush>
-  </inkml:definitions>
-  <inkml:trace contextRef="#ctx0" brushRef="#br0">10305 15068 16383 0 0,'0'-102'0'0'0,"-9"-167"0"0"0,-13-116 0 0 0,-20-66 0 0 0,-17-36 0 0 0,-4 1 0 0 0,-4 46 0 0 0,4 43 0 0 0,8 56 0 0 0,10 59 0 0 0,11 63 0 0 0,8 50 0 0 0,7 31 0 0 0,4 26 0 0 0,3 17 0 0 0,-1 6 0 0 0,3 10 0 0 0,-3 0 0 0 0,-3-6 0 0 0,1-7 0 0 0,3-1 0 0 0,4-3 0 0 0,-2 0 0 0 0,1 8 0 0 0,2 9 0 0 0,-2 10 0 0 0,0 1 0 0 0,2 4 0 0 0,2 4 0 0 0,1-2 0 0 0,3-10 0 0 0,0 4 0 0 0,1 0 0 0 0,0 1 0 0 0,1 8 0 0 0,-1 5 0 0 0,0 2 0 0 0,1 1 0 0 0,-1 4 0 0 0,0 6 0 0 0,0 5 0 0 0,0 4 0 0 0,0 3 0 0 0,0 2 0 0 0,-5-4 0 0 0,-1-2 0 0 0,0 1 0 0 0,1 2 0 0 0,-3 0 0 0 0,0 1 0 0 0,1-4 0 0 0,2-5 0 0 0,2-1 0 0 0,1-8 0 0 0,-4-5 0 0 0,0 2 0 0 0,0 0 0 0 0,2-5 0 0 0,1-3 0 0 0,1-5 0 0 0,1-1 0 0 0,1 1 0 0 0,0 2 0 0 0,0 6 0 0 0,-4 9 0 0 0,-2 7 0 0 0,1 6 0 0 0,0 3 0 0 0,2-1 0 0 0,1-6 0 0 0,1-1 0 0 0,0 2 0 0 0,1-3 0 0 0,0 2 0 0 0,1 1 0 0 0,-1 3 0 0 0,0 2 0 0 0,-4-3 0 0 0,-3 0 0 0 0,-3 1 0 0 0,-1 2 0 0 0,2 1 0 0 0,-2 6 0 0 0,0-3 0 0 0,3-9 0 0 0,2-5 0 0 0,-2-8 0 0 0,0-1 0 0 0,1-1 0 0 0,2-10 0 0 0,2 0 0 0 0,2 2 0 0 0,0 2 0 0 0,1 0 0 0 0,0 2 0 0 0,1 0 0 0 0,-1 1 0 0 0,0 5 0 0 0,1 5 0 0 0,-1 7 0 0 0,0 4 0 0 0,0 4 0 0 0,0 1 0 0 0,0 2 0 0 0,0-4 0 0 0,0-3 0 0 0,0 1 0 0 0,0 1 0 0 0,0 1 0 0 0,0 1 0 0 0,0 1 0 0 0,0 1 0 0 0,0-1 0 0 0,0-3 0 0 0,0-2 0 0 0,0 0 0 0 0,0 1 0 0 0,0 2 0 0 0,0-4 0 0 0,0 0 0 0 0,0 0 0 0 0,0 3 0 0 0,0 0 0 0 0,0 2 0 0 0,0 1 0 0 0,0 1 0 0 0,0 0 0 0 0,-5 5 0 0 0,-1 1 0 0 0,-5 5 0 0 0,-4 4 0 0 0,-5 5 0 0 0,-3 3 0 0 0,1 3 0 0 0</inkml:trace>
-</inkml:ink>
-</file>
-
-<file path=ppt/ink/ink8.xml><?xml version="1.0" encoding="utf-8"?>
-<inkml:ink xmlns:inkml="http://www.w3.org/2003/InkML">
-  <inkml:definitions>
-    <inkml:context xml:id="ctx0">
-      <inkml:inkSource xml:id="inkSrc0">
-        <inkml:traceFormat>
-          <inkml:channel name="X" type="integer" min="-2.14748E9" max="2.14748E9" units="cm"/>
-          <inkml:channel name="Y" type="integer" min="-2.14748E9" max="2.14748E9" units="cm"/>
-          <inkml:channel name="F" type="integer" max="32767" units="dev"/>
-          <inkml:channel name="OA" type="integer" max="360" units="deg"/>
-          <inkml:channel name="OE" type="integer" max="90" units="deg"/>
-        </inkml:traceFormat>
-        <inkml:channelProperties>
-          <inkml:channelProperty channel="X" name="resolution" value="1000" units="1/cm"/>
-          <inkml:channelProperty channel="Y" name="resolution" value="1000" units="1/cm"/>
-          <inkml:channelProperty channel="F" name="resolution" value="0" units="1/dev"/>
-          <inkml:channelProperty channel="OA" name="resolution" value="1000" units="1/deg"/>
-          <inkml:channelProperty channel="OE" name="resolution" value="1000" units="1/deg"/>
-        </inkml:channelProperties>
-      </inkml:inkSource>
-      <inkml:timestamp xml:id="ts0" timeString="2023-05-25T20:42:11.885"/>
-    </inkml:context>
-    <inkml:brush xml:id="br0">
-      <inkml:brushProperty name="width" value="0.1" units="cm"/>
-      <inkml:brushProperty name="height" value="0.1" units="cm"/>
-    </inkml:brush>
-  </inkml:definitions>
-  <inkml:trace contextRef="#ctx0" brushRef="#br0">9352 5487 16383 0 0,'-4'0'0'0'0,"-7"5"0"0"0,-6 10 0 0 0,-4 13 0 0 0,-4 0 0 0 0,-1 2 0 0 0,2-1 0 0 0,2-1 0 0 0,0-4 0 0 0,3-3 0 0 0,5 1 0 0 0,1-4 0 0 0,-3-5 0 0 0,2 0 0 0 0,3 2 0 0 0,-1-1 0 0 0,1 2 0 0 0,-2-3 0 0 0,2 2 0 0 0,2 3 0 0 0,3-2 0 0 0</inkml:trace>
-</inkml:ink>
-</file>
-
-<file path=ppt/ink/ink9.xml><?xml version="1.0" encoding="utf-8"?>
-<inkml:ink xmlns:inkml="http://www.w3.org/2003/InkML">
-  <inkml:definitions>
-    <inkml:context xml:id="ctx0">
-      <inkml:inkSource xml:id="inkSrc0">
-        <inkml:traceFormat>
-          <inkml:channel name="X" type="integer" min="-2.14748E9" max="2.14748E9" units="cm"/>
-          <inkml:channel name="Y" type="integer" min="-2.14748E9" max="2.14748E9" units="cm"/>
-          <inkml:channel name="F" type="integer" max="32767" units="dev"/>
-          <inkml:channel name="OA" type="integer" max="360" units="deg"/>
-          <inkml:channel name="OE" type="integer" max="90" units="deg"/>
-        </inkml:traceFormat>
-        <inkml:channelProperties>
-          <inkml:channelProperty channel="X" name="resolution" value="1000" units="1/cm"/>
-          <inkml:channelProperty channel="Y" name="resolution" value="1000" units="1/cm"/>
-          <inkml:channelProperty channel="F" name="resolution" value="0" units="1/dev"/>
-          <inkml:channelProperty channel="OA" name="resolution" value="1000" units="1/deg"/>
-          <inkml:channelProperty channel="OE" name="resolution" value="1000" units="1/deg"/>
-        </inkml:channelProperties>
-      </inkml:inkSource>
-      <inkml:timestamp xml:id="ts0" timeString="2023-05-25T20:42:11.886"/>
-    </inkml:context>
-    <inkml:brush xml:id="br0">
-      <inkml:brushProperty name="width" value="0.1" units="cm"/>
-      <inkml:brushProperty name="height" value="0.1" units="cm"/>
-    </inkml:brush>
-  </inkml:definitions>
-  <inkml:trace contextRef="#ctx0" brushRef="#br0">9366 5509 16383 0 0,'0'4'0'0'0,"0"7"0"0"0,5 1 0 0 0,10 8 0 0 0,3 5 0 0 0,3-2 0 0 0,3-4 0 0 0,-3-2 0 0 0,-1-3 0 0 0,-3 1 0 0 0,0-3 0 0 0,1 2 0 0 0,-1 3 0 0 0,0 3 0 0 0,2-2 0 0 0,2-4 0 0 0,-2 1 0 0 0,-4 1 0 0 0,-1-1 0 0 0,3-3 0 0 0,2 0 0 0 0,3-1 0 0 0,3-3 0 0 0,-4 2 0 0 0,0 0 0 0 0,0-3 0 0 0,2-2 0 0 0,-3-2 0 0 0</inkml:trace>
 </inkml:ink>
 </file>
 
@@ -3605,7 +2947,7 @@
           </a:lstStyle>
           <a:p>
             <a:fld id="{A8CC9FE5-F9F8-4004-B685-F3FEF92DBDFE}" type="datetimeFigureOut">
-              <a:t>01-Jun-23</a:t>
+              <a:t>02-Jun-23</a:t>
             </a:fld>
             <a:endParaRPr lang="en-US"/>
           </a:p>
@@ -3915,147 +3257,7 @@
           <a:bodyPr/>
           <a:lstStyle/>
           <a:p>
-            <a:r>
-              <a:rPr lang="en-US"/>
-              <a:t>Time series 1:</a:t>
-            </a:r>
-          </a:p>
-          <a:p>
-            <a:r>
-              <a:rPr lang="en-US"/>
-              <a:t>#The p-</a:t>
-            </a:r>
-            <a:r>
-              <a:rPr lang="en-US" err="1"/>
-              <a:t>bg</a:t>
-            </a:r>
-            <a:r>
-              <a:rPr lang="en-US"/>
-              <a:t> is greater than 5% -&gt; there are no auto-correlations in residual</a:t>
-            </a:r>
-          </a:p>
-          <a:p>
-            <a:r>
-              <a:rPr lang="en-US"/>
-              <a:t>#Next, we test the stationary of its 1st lag, by checking p-</a:t>
-            </a:r>
-            <a:r>
-              <a:rPr lang="en-US" err="1"/>
-              <a:t>adf</a:t>
-            </a:r>
-            <a:r>
-              <a:rPr lang="en-US"/>
-              <a:t>. </a:t>
-            </a:r>
-            <a:endParaRPr lang="en-GB"/>
-          </a:p>
-          <a:p>
-            <a:r>
-              <a:rPr lang="en-US"/>
-              <a:t>#p-adf is smaller than 5%. We can reject the null in the case of the first differences about non-stationary.</a:t>
-            </a:r>
-            <a:endParaRPr lang="en-GB"/>
-          </a:p>
-          <a:p>
-            <a:r>
-              <a:rPr lang="en-US"/>
-              <a:t>#Its 1st lag is stationary.</a:t>
-            </a:r>
-            <a:endParaRPr lang="en-GB"/>
-          </a:p>
-          <a:p>
-            <a:r>
-              <a:rPr lang="en-US"/>
-              <a:t>#We can conclude that the Time Series X1 is integrated of order 1.</a:t>
-            </a:r>
-            <a:endParaRPr lang="en-GB"/>
-          </a:p>
-          <a:p>
-            <a:endParaRPr lang="en-US">
-              <a:cs typeface="Calibri"/>
-            </a:endParaRPr>
-          </a:p>
-          <a:p>
-            <a:r>
-              <a:rPr lang="en-US">
-                <a:cs typeface="Calibri"/>
-              </a:rPr>
-              <a:t>Time series 2:</a:t>
-            </a:r>
-          </a:p>
-          <a:p>
-            <a:r>
-              <a:rPr lang="en-US"/>
-              <a:t>#By adding 1 augmentation, there will be no auto correlation in Residuals.</a:t>
-            </a:r>
-          </a:p>
-          <a:p>
-            <a:r>
-              <a:rPr lang="en-US"/>
-              <a:t>#p-adf is greater than 5%, we can reject the null hypothesis in the case the non-stationary of first differences. </a:t>
-            </a:r>
-          </a:p>
-          <a:p>
-            <a:r>
-              <a:rPr lang="en-US"/>
-              <a:t>#Its 1st lag is stationary.</a:t>
-            </a:r>
-            <a:endParaRPr lang="en-US">
-              <a:cs typeface="Calibri"/>
-            </a:endParaRPr>
-          </a:p>
-          <a:p>
-            <a:r>
-              <a:rPr lang="en-US"/>
-              <a:t>#we can conclude that the Time Series X2 is integrated of order 1.</a:t>
-            </a:r>
-            <a:endParaRPr lang="en-US">
-              <a:cs typeface="Calibri"/>
-            </a:endParaRPr>
-          </a:p>
-          <a:p>
-            <a:r>
-              <a:rPr lang="en-US"/>
-              <a:t> </a:t>
-            </a:r>
-            <a:endParaRPr lang="en-US">
-              <a:cs typeface="Calibri"/>
-            </a:endParaRPr>
-          </a:p>
-          <a:p>
-            <a:r>
-              <a:rPr lang="en-US"/>
-              <a:t>#Conclusion:</a:t>
-            </a:r>
-            <a:endParaRPr lang="en-US">
-              <a:cs typeface="Calibri"/>
-            </a:endParaRPr>
-          </a:p>
-          <a:p>
-            <a:r>
-              <a:rPr lang="en-US"/>
-              <a:t>#As a result, both variables has the same order 1: ∼I(1)</a:t>
-            </a:r>
-            <a:endParaRPr lang="en-US">
-              <a:cs typeface="Calibri"/>
-            </a:endParaRPr>
-          </a:p>
-          <a:p>
-            <a:r>
-              <a:rPr lang="en-US"/>
-              <a:t>#so in the next step we can check whether they are cointegrated or not.</a:t>
-            </a:r>
-            <a:endParaRPr lang="en-US">
-              <a:cs typeface="Calibri"/>
-            </a:endParaRPr>
-          </a:p>
-          <a:p>
-            <a:endParaRPr lang="en-US">
-              <a:cs typeface="Calibri"/>
-            </a:endParaRPr>
-          </a:p>
-          <a:p>
-            <a:endParaRPr lang="en-US">
+            <a:endParaRPr lang="en-US" dirty="0">
               <a:cs typeface="Calibri"/>
             </a:endParaRPr>
           </a:p>
@@ -4141,54 +3343,7 @@
           <a:bodyPr/>
           <a:lstStyle/>
           <a:p>
-            <a:pPr algn="l" rtl="0" fontAlgn="base"/>
-            <a:r>
-              <a:rPr lang="en-US" b="0" i="0" u="none" strike="noStrike" dirty="0">
-                <a:solidFill>
-                  <a:srgbClr val="000000"/>
-                </a:solidFill>
-                <a:effectLst/>
-                <a:latin typeface="Calibri" panose="020F0502020204030204" pitchFamily="34" charset="0"/>
-              </a:rPr>
-              <a:t>Delta X1 = -0.008001286 * (x1 - 0.7769762 *x2 - 23.6658920) + …...</a:t>
-            </a:r>
-            <a:r>
-              <a:rPr lang="en-US" b="0" i="0" dirty="0">
-                <a:solidFill>
-                  <a:srgbClr val="000000"/>
-                </a:solidFill>
-                <a:effectLst/>
-                <a:latin typeface="Calibri" panose="020F0502020204030204" pitchFamily="34" charset="0"/>
-              </a:rPr>
-              <a:t>​</a:t>
-            </a:r>
-            <a:endParaRPr lang="en-US" b="0" i="0" dirty="0">
-              <a:solidFill>
-                <a:srgbClr val="444444"/>
-              </a:solidFill>
-              <a:effectLst/>
-              <a:latin typeface="Calibri" panose="020F0502020204030204" pitchFamily="34" charset="0"/>
-            </a:endParaRPr>
-          </a:p>
-          <a:p>
-            <a:pPr algn="l" rtl="0" fontAlgn="base"/>
-            <a:r>
-              <a:rPr lang="en-US" b="0" i="0" u="none" strike="noStrike" dirty="0">
-                <a:solidFill>
-                  <a:srgbClr val="000000"/>
-                </a:solidFill>
-                <a:effectLst/>
-                <a:latin typeface="Calibri" panose="020F0502020204030204" pitchFamily="34" charset="0"/>
-              </a:rPr>
-              <a:t>Delta X2 = 0.127376 * (x1 - 0.7769762 *x2 - 23.6658920) + …..</a:t>
-            </a:r>
-            <a:endParaRPr lang="en-US" b="0" i="0" dirty="0">
-              <a:solidFill>
-                <a:srgbClr val="444444"/>
-              </a:solidFill>
-              <a:effectLst/>
-              <a:latin typeface="Calibri" panose="020F0502020204030204" pitchFamily="34" charset="0"/>
-            </a:endParaRPr>
+            <a:endParaRPr lang="en-US" dirty="0"/>
           </a:p>
         </p:txBody>
       </p:sp>
@@ -4209,7 +3364,7 @@
           <a:p>
             <a:fld id="{C587DDA5-0D38-403A-93A1-AE57F00CD632}" type="slidenum">
               <a:rPr lang="en-US" smtClean="0"/>
-              <a:t>16</a:t>
+              <a:t>7</a:t>
             </a:fld>
             <a:endParaRPr lang="en-US"/>
           </a:p>
@@ -4218,7 +3373,7 @@
     </p:spTree>
     <p:extLst>
       <p:ext uri="{BB962C8B-B14F-4D97-AF65-F5344CB8AC3E}">
-        <p14:creationId xmlns:p14="http://schemas.microsoft.com/office/powerpoint/2010/main" val="1920355879"/>
+        <p14:creationId xmlns:p14="http://schemas.microsoft.com/office/powerpoint/2010/main" val="1199052520"/>
       </p:ext>
     </p:extLst>
   </p:cSld>
@@ -4272,14 +3427,222 @@
           <a:bodyPr/>
           <a:lstStyle/>
           <a:p>
+            <a:endParaRPr lang="en-US" dirty="0"/>
+          </a:p>
+        </p:txBody>
+      </p:sp>
+      <p:sp>
+        <p:nvSpPr>
+          <p:cNvPr id="4" name="Slide Number Placeholder 3"/>
+          <p:cNvSpPr>
+            <a:spLocks noGrp="1"/>
+          </p:cNvSpPr>
+          <p:nvPr>
+            <p:ph type="sldNum" sz="quarter" idx="5"/>
+          </p:nvPr>
+        </p:nvSpPr>
+        <p:spPr/>
+        <p:txBody>
+          <a:bodyPr/>
+          <a:lstStyle/>
+          <a:p>
+            <a:fld id="{C587DDA5-0D38-403A-93A1-AE57F00CD632}" type="slidenum">
+              <a:rPr lang="en-US" smtClean="0"/>
+              <a:t>9</a:t>
+            </a:fld>
+            <a:endParaRPr lang="en-US"/>
+          </a:p>
+        </p:txBody>
+      </p:sp>
+    </p:spTree>
+    <p:extLst>
+      <p:ext uri="{BB962C8B-B14F-4D97-AF65-F5344CB8AC3E}">
+        <p14:creationId xmlns:p14="http://schemas.microsoft.com/office/powerpoint/2010/main" val="657548116"/>
+      </p:ext>
+    </p:extLst>
+  </p:cSld>
+  <p:clrMapOvr>
+    <a:masterClrMapping/>
+  </p:clrMapOvr>
+</p:notes>
+</file>
+
+<file path=ppt/notesSlides/notesSlide4.xml><?xml version="1.0" encoding="utf-8"?>
+<p:notes xmlns:a="http://schemas.openxmlformats.org/drawingml/2006/main" xmlns:r="http://schemas.openxmlformats.org/officeDocument/2006/relationships" xmlns:p="http://schemas.openxmlformats.org/presentationml/2006/main">
+  <p:cSld>
+    <p:spTree>
+      <p:nvGrpSpPr>
+        <p:cNvPr id="1" name=""/>
+        <p:cNvGrpSpPr/>
+        <p:nvPr/>
+      </p:nvGrpSpPr>
+      <p:grpSpPr>
+        <a:xfrm>
+          <a:off x="0" y="0"/>
+          <a:ext cx="0" cy="0"/>
+          <a:chOff x="0" y="0"/>
+          <a:chExt cx="0" cy="0"/>
+        </a:xfrm>
+      </p:grpSpPr>
+      <p:sp>
+        <p:nvSpPr>
+          <p:cNvPr id="2" name="Slide Image Placeholder 1"/>
+          <p:cNvSpPr>
+            <a:spLocks noGrp="1" noRot="1" noChangeAspect="1"/>
+          </p:cNvSpPr>
+          <p:nvPr>
+            <p:ph type="sldImg"/>
+          </p:nvPr>
+        </p:nvSpPr>
+        <p:spPr/>
+      </p:sp>
+      <p:sp>
+        <p:nvSpPr>
+          <p:cNvPr id="3" name="Notes Placeholder 2"/>
+          <p:cNvSpPr>
+            <a:spLocks noGrp="1"/>
+          </p:cNvSpPr>
+          <p:nvPr>
+            <p:ph type="body" idx="1"/>
+          </p:nvPr>
+        </p:nvSpPr>
+        <p:spPr/>
+        <p:txBody>
+          <a:bodyPr/>
+          <a:lstStyle/>
+          <a:p>
+            <a:pPr algn="l" rtl="0" fontAlgn="base"/>
             <a:r>
-              <a:rPr lang="en-US" dirty="0"/>
-              <a:t>The Ljung-Box Q-test is a "portmanteau" test that assesses the null hypothesis that </a:t>
+              <a:rPr lang="en-US" b="0" i="0" u="none" strike="noStrike" dirty="0">
+                <a:solidFill>
+                  <a:srgbClr val="000000"/>
+                </a:solidFill>
+                <a:effectLst/>
+                <a:latin typeface="Calibri" panose="020F0502020204030204" pitchFamily="34" charset="0"/>
+              </a:rPr>
+              <a:t>Delta X1 = -0.008001286 * (x1 - 0.7769762 *x2 - 23.6658920) + …...</a:t>
             </a:r>
             <a:r>
-              <a:rPr lang="en-US"/>
-              <a:t>a series of residuals exhibits no autocorrelation for a fixed number of lags L</a:t>
+              <a:rPr lang="en-US" b="0" i="0" dirty="0">
+                <a:solidFill>
+                  <a:srgbClr val="000000"/>
+                </a:solidFill>
+                <a:effectLst/>
+                <a:latin typeface="Calibri" panose="020F0502020204030204" pitchFamily="34" charset="0"/>
+              </a:rPr>
+              <a:t>​</a:t>
             </a:r>
+            <a:endParaRPr lang="en-US" b="0" i="0" dirty="0">
+              <a:solidFill>
+                <a:srgbClr val="444444"/>
+              </a:solidFill>
+              <a:effectLst/>
+              <a:latin typeface="Calibri" panose="020F0502020204030204" pitchFamily="34" charset="0"/>
+            </a:endParaRPr>
+          </a:p>
+          <a:p>
+            <a:pPr algn="l" rtl="0" fontAlgn="base"/>
+            <a:r>
+              <a:rPr lang="en-US" b="0" i="0" u="none" strike="noStrike" dirty="0">
+                <a:solidFill>
+                  <a:srgbClr val="000000"/>
+                </a:solidFill>
+                <a:effectLst/>
+                <a:latin typeface="Calibri" panose="020F0502020204030204" pitchFamily="34" charset="0"/>
+              </a:rPr>
+              <a:t>Delta X2 = 0.127376 * (x1 - 0.7769762 *x2 - 23.6658920) + …..</a:t>
+            </a:r>
+            <a:endParaRPr lang="en-US" b="0" i="0" dirty="0">
+              <a:solidFill>
+                <a:srgbClr val="444444"/>
+              </a:solidFill>
+              <a:effectLst/>
+              <a:latin typeface="Calibri" panose="020F0502020204030204" pitchFamily="34" charset="0"/>
+            </a:endParaRPr>
+          </a:p>
+        </p:txBody>
+      </p:sp>
+      <p:sp>
+        <p:nvSpPr>
+          <p:cNvPr id="4" name="Slide Number Placeholder 3"/>
+          <p:cNvSpPr>
+            <a:spLocks noGrp="1"/>
+          </p:cNvSpPr>
+          <p:nvPr>
+            <p:ph type="sldNum" sz="quarter" idx="5"/>
+          </p:nvPr>
+        </p:nvSpPr>
+        <p:spPr/>
+        <p:txBody>
+          <a:bodyPr/>
+          <a:lstStyle/>
+          <a:p>
+            <a:fld id="{C587DDA5-0D38-403A-93A1-AE57F00CD632}" type="slidenum">
+              <a:rPr lang="en-US" smtClean="0"/>
+              <a:t>16</a:t>
+            </a:fld>
+            <a:endParaRPr lang="en-US"/>
+          </a:p>
+        </p:txBody>
+      </p:sp>
+    </p:spTree>
+    <p:extLst>
+      <p:ext uri="{BB962C8B-B14F-4D97-AF65-F5344CB8AC3E}">
+        <p14:creationId xmlns:p14="http://schemas.microsoft.com/office/powerpoint/2010/main" val="1920355879"/>
+      </p:ext>
+    </p:extLst>
+  </p:cSld>
+  <p:clrMapOvr>
+    <a:masterClrMapping/>
+  </p:clrMapOvr>
+</p:notes>
+</file>
+
+<file path=ppt/notesSlides/notesSlide5.xml><?xml version="1.0" encoding="utf-8"?>
+<p:notes xmlns:a="http://schemas.openxmlformats.org/drawingml/2006/main" xmlns:r="http://schemas.openxmlformats.org/officeDocument/2006/relationships" xmlns:p="http://schemas.openxmlformats.org/presentationml/2006/main">
+  <p:cSld>
+    <p:spTree>
+      <p:nvGrpSpPr>
+        <p:cNvPr id="1" name=""/>
+        <p:cNvGrpSpPr/>
+        <p:nvPr/>
+      </p:nvGrpSpPr>
+      <p:grpSpPr>
+        <a:xfrm>
+          <a:off x="0" y="0"/>
+          <a:ext cx="0" cy="0"/>
+          <a:chOff x="0" y="0"/>
+          <a:chExt cx="0" cy="0"/>
+        </a:xfrm>
+      </p:grpSpPr>
+      <p:sp>
+        <p:nvSpPr>
+          <p:cNvPr id="2" name="Slide Image Placeholder 1"/>
+          <p:cNvSpPr>
+            <a:spLocks noGrp="1" noRot="1" noChangeAspect="1"/>
+          </p:cNvSpPr>
+          <p:nvPr>
+            <p:ph type="sldImg"/>
+          </p:nvPr>
+        </p:nvSpPr>
+        <p:spPr/>
+      </p:sp>
+      <p:sp>
+        <p:nvSpPr>
+          <p:cNvPr id="3" name="Notes Placeholder 2"/>
+          <p:cNvSpPr>
+            <a:spLocks noGrp="1"/>
+          </p:cNvSpPr>
+          <p:nvPr>
+            <p:ph type="body" idx="1"/>
+          </p:nvPr>
+        </p:nvSpPr>
+        <p:spPr/>
+        <p:txBody>
+          <a:bodyPr/>
+          <a:lstStyle/>
+          <a:p>
+            <a:endParaRPr lang="en-US" dirty="0"/>
           </a:p>
         </p:txBody>
       </p:sp>
@@ -5983,7 +5346,7 @@
           <a:p>
             <a:fld id="{8F72BA41-EC5B-4197-BCC8-0FD2E523CD7A}" type="datetimeFigureOut">
               <a:rPr lang="en-US" smtClean="0"/>
-              <a:t>01-Jun-23</a:t>
+              <a:t>02-Jun-23</a:t>
             </a:fld>
             <a:endParaRPr lang="en-US"/>
           </a:p>
@@ -6186,7 +5549,7 @@
           <a:p>
             <a:fld id="{8F72BA41-EC5B-4197-BCC8-0FD2E523CD7A}" type="datetimeFigureOut">
               <a:rPr lang="en-US" smtClean="0"/>
-              <a:t>01-Jun-23</a:t>
+              <a:t>02-Jun-23</a:t>
             </a:fld>
             <a:endParaRPr lang="en-US"/>
           </a:p>
@@ -7905,7 +7268,7 @@
           <a:p>
             <a:fld id="{8F72BA41-EC5B-4197-BCC8-0FD2E523CD7A}" type="datetimeFigureOut">
               <a:rPr lang="en-US" smtClean="0"/>
-              <a:t>01-Jun-23</a:t>
+              <a:t>02-Jun-23</a:t>
             </a:fld>
             <a:endParaRPr lang="en-US"/>
           </a:p>
@@ -8107,7 +7470,7 @@
           <a:p>
             <a:fld id="{846CE7D5-CF57-46EF-B807-FDD0502418D4}" type="datetimeFigureOut">
               <a:rPr lang="en-GB" smtClean="0"/>
-              <a:t>01/06/2023</a:t>
+              <a:t>02/06/2023</a:t>
             </a:fld>
             <a:endParaRPr lang="en-GB"/>
           </a:p>
@@ -8275,7 +7638,7 @@
           <a:p>
             <a:fld id="{846CE7D5-CF57-46EF-B807-FDD0502418D4}" type="datetimeFigureOut">
               <a:rPr lang="en-GB" smtClean="0"/>
-              <a:t>01/06/2023</a:t>
+              <a:t>02/06/2023</a:t>
             </a:fld>
             <a:endParaRPr lang="en-GB"/>
           </a:p>
@@ -8520,7 +7883,7 @@
           <a:p>
             <a:fld id="{846CE7D5-CF57-46EF-B807-FDD0502418D4}" type="datetimeFigureOut">
               <a:rPr lang="en-GB" smtClean="0"/>
-              <a:t>01/06/2023</a:t>
+              <a:t>02/06/2023</a:t>
             </a:fld>
             <a:endParaRPr lang="en-GB"/>
           </a:p>
@@ -8749,7 +8112,7 @@
           <a:p>
             <a:fld id="{846CE7D5-CF57-46EF-B807-FDD0502418D4}" type="datetimeFigureOut">
               <a:rPr lang="en-GB" smtClean="0"/>
-              <a:t>01/06/2023</a:t>
+              <a:t>02/06/2023</a:t>
             </a:fld>
             <a:endParaRPr lang="en-GB"/>
           </a:p>
@@ -9113,7 +8476,7 @@
           <a:p>
             <a:fld id="{846CE7D5-CF57-46EF-B807-FDD0502418D4}" type="datetimeFigureOut">
               <a:rPr lang="en-GB" smtClean="0"/>
-              <a:t>01/06/2023</a:t>
+              <a:t>02/06/2023</a:t>
             </a:fld>
             <a:endParaRPr lang="en-GB"/>
           </a:p>
@@ -9230,7 +8593,7 @@
           <a:p>
             <a:fld id="{846CE7D5-CF57-46EF-B807-FDD0502418D4}" type="datetimeFigureOut">
               <a:rPr lang="en-GB" smtClean="0"/>
-              <a:t>01/06/2023</a:t>
+              <a:t>02/06/2023</a:t>
             </a:fld>
             <a:endParaRPr lang="en-GB"/>
           </a:p>
@@ -9325,7 +8688,7 @@
           <a:p>
             <a:fld id="{846CE7D5-CF57-46EF-B807-FDD0502418D4}" type="datetimeFigureOut">
               <a:rPr lang="en-GB" smtClean="0"/>
-              <a:t>01/06/2023</a:t>
+              <a:t>02/06/2023</a:t>
             </a:fld>
             <a:endParaRPr lang="en-GB"/>
           </a:p>
@@ -9600,7 +8963,7 @@
           <a:p>
             <a:fld id="{846CE7D5-CF57-46EF-B807-FDD0502418D4}" type="datetimeFigureOut">
               <a:rPr lang="en-GB" smtClean="0"/>
-              <a:t>01/06/2023</a:t>
+              <a:t>02/06/2023</a:t>
             </a:fld>
             <a:endParaRPr lang="en-GB"/>
           </a:p>
@@ -9786,7 +9149,7 @@
           <a:p>
             <a:fld id="{8F72BA41-EC5B-4197-BCC8-0FD2E523CD7A}" type="datetimeFigureOut">
               <a:rPr lang="en-US" smtClean="0"/>
-              <a:t>01-Jun-23</a:t>
+              <a:t>02-Jun-23</a:t>
             </a:fld>
             <a:endParaRPr lang="en-US"/>
           </a:p>
@@ -10053,7 +9416,7 @@
           <a:p>
             <a:fld id="{846CE7D5-CF57-46EF-B807-FDD0502418D4}" type="datetimeFigureOut">
               <a:rPr lang="en-GB" smtClean="0"/>
-              <a:t>01/06/2023</a:t>
+              <a:t>02/06/2023</a:t>
             </a:fld>
             <a:endParaRPr lang="en-GB"/>
           </a:p>
@@ -10221,7 +9584,7 @@
           <a:p>
             <a:fld id="{846CE7D5-CF57-46EF-B807-FDD0502418D4}" type="datetimeFigureOut">
               <a:rPr lang="en-GB" smtClean="0"/>
-              <a:t>01/06/2023</a:t>
+              <a:t>02/06/2023</a:t>
             </a:fld>
             <a:endParaRPr lang="en-GB"/>
           </a:p>
@@ -10399,7 +9762,7 @@
           <a:p>
             <a:fld id="{846CE7D5-CF57-46EF-B807-FDD0502418D4}" type="datetimeFigureOut">
               <a:rPr lang="en-GB" smtClean="0"/>
-              <a:t>01/06/2023</a:t>
+              <a:t>02/06/2023</a:t>
             </a:fld>
             <a:endParaRPr lang="en-GB"/>
           </a:p>
@@ -12176,7 +11539,7 @@
           <a:p>
             <a:fld id="{8F72BA41-EC5B-4197-BCC8-0FD2E523CD7A}" type="datetimeFigureOut">
               <a:rPr lang="en-US" smtClean="0"/>
-              <a:t>01-Jun-23</a:t>
+              <a:t>02-Jun-23</a:t>
             </a:fld>
             <a:endParaRPr lang="en-US"/>
           </a:p>
@@ -12446,7 +11809,7 @@
           <a:p>
             <a:fld id="{8F72BA41-EC5B-4197-BCC8-0FD2E523CD7A}" type="datetimeFigureOut">
               <a:rPr lang="en-US" smtClean="0"/>
-              <a:t>01-Jun-23</a:t>
+              <a:t>02-Jun-23</a:t>
             </a:fld>
             <a:endParaRPr lang="en-US"/>
           </a:p>
@@ -12863,7 +12226,7 @@
           <a:p>
             <a:fld id="{8F72BA41-EC5B-4197-BCC8-0FD2E523CD7A}" type="datetimeFigureOut">
               <a:rPr lang="en-US" smtClean="0"/>
-              <a:t>01-Jun-23</a:t>
+              <a:t>02-Jun-23</a:t>
             </a:fld>
             <a:endParaRPr lang="en-US"/>
           </a:p>
@@ -13018,7 +12381,7 @@
           <a:p>
             <a:fld id="{8F72BA41-EC5B-4197-BCC8-0FD2E523CD7A}" type="datetimeFigureOut">
               <a:rPr lang="en-US" smtClean="0"/>
-              <a:t>01-Jun-23</a:t>
+              <a:t>02-Jun-23</a:t>
             </a:fld>
             <a:endParaRPr lang="en-US"/>
           </a:p>
@@ -14586,7 +13949,7 @@
           <a:p>
             <a:fld id="{8F72BA41-EC5B-4197-BCC8-0FD2E523CD7A}" type="datetimeFigureOut">
               <a:rPr lang="en-US" smtClean="0"/>
-              <a:t>01-Jun-23</a:t>
+              <a:t>02-Jun-23</a:t>
             </a:fld>
             <a:endParaRPr lang="en-US"/>
           </a:p>
@@ -16435,7 +15798,7 @@
           <a:p>
             <a:fld id="{8F72BA41-EC5B-4197-BCC8-0FD2E523CD7A}" type="datetimeFigureOut">
               <a:rPr lang="en-US" smtClean="0"/>
-              <a:t>01-Jun-23</a:t>
+              <a:t>02-Jun-23</a:t>
             </a:fld>
             <a:endParaRPr lang="en-US"/>
           </a:p>
@@ -18246,7 +17609,7 @@
           <a:p>
             <a:fld id="{8F72BA41-EC5B-4197-BCC8-0FD2E523CD7A}" type="datetimeFigureOut">
               <a:rPr lang="en-US" smtClean="0"/>
-              <a:t>01-Jun-23</a:t>
+              <a:t>02-Jun-23</a:t>
             </a:fld>
             <a:endParaRPr lang="en-US"/>
           </a:p>
@@ -19938,7 +19301,7 @@
             <a:fld id="{8F72BA41-EC5B-4197-BCC8-0FD2E523CD7A}" type="datetimeFigureOut">
               <a:rPr lang="en-US" smtClean="0"/>
               <a:pPr/>
-              <a:t>01-Jun-23</a:t>
+              <a:t>02-Jun-23</a:t>
             </a:fld>
             <a:endParaRPr lang="en-US"/>
           </a:p>
@@ -20585,7 +19948,7 @@
           <a:p>
             <a:fld id="{846CE7D5-CF57-46EF-B807-FDD0502418D4}" type="datetimeFigureOut">
               <a:rPr lang="en-GB" smtClean="0"/>
-              <a:t>01/06/2023</a:t>
+              <a:t>02/06/2023</a:t>
             </a:fld>
             <a:endParaRPr lang="en-GB"/>
           </a:p>
@@ -28384,1286 +27747,6 @@
 </p:sld>
 </file>
 
-<file path=ppt/slides/slide21.xml><?xml version="1.0" encoding="utf-8"?>
-<p:sld xmlns:a="http://schemas.openxmlformats.org/drawingml/2006/main" xmlns:r="http://schemas.openxmlformats.org/officeDocument/2006/relationships" xmlns:p="http://schemas.openxmlformats.org/presentationml/2006/main" show="0">
-  <p:cSld>
-    <p:spTree>
-      <p:nvGrpSpPr>
-        <p:cNvPr id="1" name=""/>
-        <p:cNvGrpSpPr/>
-        <p:nvPr/>
-      </p:nvGrpSpPr>
-      <p:grpSpPr>
-        <a:xfrm>
-          <a:off x="0" y="0"/>
-          <a:ext cx="0" cy="0"/>
-          <a:chOff x="0" y="0"/>
-          <a:chExt cx="0" cy="0"/>
-        </a:xfrm>
-      </p:grpSpPr>
-      <p:pic>
-        <p:nvPicPr>
-          <p:cNvPr id="5" name="Picture 5">
-            <a:extLst>
-              <a:ext uri="{FF2B5EF4-FFF2-40B4-BE49-F238E27FC236}">
-                <a16:creationId xmlns:a16="http://schemas.microsoft.com/office/drawing/2014/main" id="{00CF6710-6FBF-B155-6628-1AB770BF2655}"/>
-              </a:ext>
-            </a:extLst>
-          </p:cNvPr>
-          <p:cNvPicPr>
-            <a:picLocks noGrp="1" noChangeAspect="1"/>
-          </p:cNvPicPr>
-          <p:nvPr>
-            <p:ph idx="1"/>
-          </p:nvPr>
-        </p:nvPicPr>
-        <p:blipFill>
-          <a:blip r:embed="rId2"/>
-          <a:stretch>
-            <a:fillRect/>
-          </a:stretch>
-        </p:blipFill>
-        <p:spPr>
-          <a:xfrm>
-            <a:off x="1200" y="-668"/>
-            <a:ext cx="4762500" cy="3076575"/>
-          </a:xfrm>
-        </p:spPr>
-      </p:pic>
-      <mc:AlternateContent xmlns:mc="http://schemas.openxmlformats.org/markup-compatibility/2006" xmlns:p14="http://schemas.microsoft.com/office/powerpoint/2010/main">
-        <mc:Choice Requires="p14">
-          <p:contentPart p14:bwMode="auto" r:id="rId3">
-            <p14:nvContentPartPr>
-              <p14:cNvPr id="4" name="Ink 3">
-                <a:extLst>
-                  <a:ext uri="{FF2B5EF4-FFF2-40B4-BE49-F238E27FC236}">
-                    <a16:creationId xmlns:a16="http://schemas.microsoft.com/office/drawing/2014/main" id="{80D171A5-3452-8B97-8D02-4C2D979D4FAC}"/>
-                  </a:ext>
-                </a:extLst>
-              </p14:cNvPr>
-              <p14:cNvContentPartPr/>
-              <p14:nvPr/>
-            </p14:nvContentPartPr>
-            <p14:xfrm>
-              <a:off x="2414867" y="3445808"/>
-              <a:ext cx="14007" cy="14007"/>
-            </p14:xfrm>
-          </p:contentPart>
-        </mc:Choice>
-        <mc:Fallback xmlns="">
-          <p:pic>
-            <p:nvPicPr>
-              <p:cNvPr id="4" name="Ink 3">
-                <a:extLst>
-                  <a:ext uri="{FF2B5EF4-FFF2-40B4-BE49-F238E27FC236}">
-                    <a16:creationId xmlns:a16="http://schemas.microsoft.com/office/drawing/2014/main" id="{80D171A5-3452-8B97-8D02-4C2D979D4FAC}"/>
-                  </a:ext>
-                </a:extLst>
-              </p:cNvPr>
-              <p:cNvPicPr/>
-              <p:nvPr/>
-            </p:nvPicPr>
-            <p:blipFill>
-              <a:blip r:embed="rId4"/>
-              <a:stretch>
-                <a:fillRect/>
-              </a:stretch>
-            </p:blipFill>
-            <p:spPr>
-              <a:xfrm>
-                <a:off x="1714517" y="2745458"/>
-                <a:ext cx="1400700" cy="1400700"/>
-              </a:xfrm>
-              <a:prstGeom prst="rect">
-                <a:avLst/>
-              </a:prstGeom>
-            </p:spPr>
-          </p:pic>
-        </mc:Fallback>
-      </mc:AlternateContent>
-      <p:pic>
-        <p:nvPicPr>
-          <p:cNvPr id="8" name="Picture 8" descr="A cat wearing a bow tie&#10;&#10;Description automatically generated">
-            <a:extLst>
-              <a:ext uri="{FF2B5EF4-FFF2-40B4-BE49-F238E27FC236}">
-                <a16:creationId xmlns:a16="http://schemas.microsoft.com/office/drawing/2014/main" id="{1E07C185-9AA6-B5D3-F372-980664F80DFC}"/>
-              </a:ext>
-            </a:extLst>
-          </p:cNvPr>
-          <p:cNvPicPr>
-            <a:picLocks noChangeAspect="1"/>
-          </p:cNvPicPr>
-          <p:nvPr/>
-        </p:nvPicPr>
-        <p:blipFill>
-          <a:blip r:embed="rId5"/>
-          <a:stretch>
-            <a:fillRect/>
-          </a:stretch>
-        </p:blipFill>
-        <p:spPr>
-          <a:xfrm>
-            <a:off x="4964547" y="-2704"/>
-            <a:ext cx="2743200" cy="3160643"/>
-          </a:xfrm>
-          <a:prstGeom prst="rect">
-            <a:avLst/>
-          </a:prstGeom>
-        </p:spPr>
-      </p:pic>
-      <p:pic>
-        <p:nvPicPr>
-          <p:cNvPr id="9" name="Picture 9" descr="Text&#10;&#10;Description automatically generated">
-            <a:extLst>
-              <a:ext uri="{FF2B5EF4-FFF2-40B4-BE49-F238E27FC236}">
-                <a16:creationId xmlns:a16="http://schemas.microsoft.com/office/drawing/2014/main" id="{C56ED98E-9FD7-62D3-CA18-AFB0897C3EA3}"/>
-              </a:ext>
-            </a:extLst>
-          </p:cNvPr>
-          <p:cNvPicPr>
-            <a:picLocks noChangeAspect="1"/>
-          </p:cNvPicPr>
-          <p:nvPr/>
-        </p:nvPicPr>
-        <p:blipFill>
-          <a:blip r:embed="rId6"/>
-          <a:stretch>
-            <a:fillRect/>
-          </a:stretch>
-        </p:blipFill>
-        <p:spPr>
-          <a:xfrm>
-            <a:off x="1069928" y="3530248"/>
-            <a:ext cx="4424082" cy="2950281"/>
-          </a:xfrm>
-          <a:prstGeom prst="rect">
-            <a:avLst/>
-          </a:prstGeom>
-        </p:spPr>
-      </p:pic>
-      <p:sp>
-        <p:nvSpPr>
-          <p:cNvPr id="10" name="TextBox 9">
-            <a:extLst>
-              <a:ext uri="{FF2B5EF4-FFF2-40B4-BE49-F238E27FC236}">
-                <a16:creationId xmlns:a16="http://schemas.microsoft.com/office/drawing/2014/main" id="{0290EC25-F26D-F9D9-D055-14A5C017AEC3}"/>
-              </a:ext>
-            </a:extLst>
-          </p:cNvPr>
-          <p:cNvSpPr txBox="1"/>
-          <p:nvPr/>
-        </p:nvSpPr>
-        <p:spPr>
-          <a:xfrm>
-            <a:off x="7930417" y="449427"/>
-            <a:ext cx="3611301" cy="369332"/>
-          </a:xfrm>
-          <a:prstGeom prst="rect">
-            <a:avLst/>
-          </a:prstGeom>
-          <a:noFill/>
-        </p:spPr>
-        <p:txBody>
-          <a:bodyPr rot="0" spcFirstLastPara="0" vertOverflow="overflow" horzOverflow="overflow" vert="horz" wrap="square" lIns="91440" tIns="45720" rIns="91440" bIns="45720" numCol="1" spcCol="0" rtlCol="0" fromWordArt="0" anchor="t" anchorCtr="0" forceAA="0" compatLnSpc="1">
-            <a:prstTxWarp prst="textNoShape">
-              <a:avLst/>
-            </a:prstTxWarp>
-            <a:spAutoFit/>
-          </a:bodyPr>
-          <a:lstStyle/>
-          <a:p>
-            <a:r>
-              <a:rPr lang="en-US" b="1"/>
-              <a:t>Applying Box-Jenkins Procedure</a:t>
-            </a:r>
-          </a:p>
-        </p:txBody>
-      </p:sp>
-      <p:pic>
-        <p:nvPicPr>
-          <p:cNvPr id="2" name="Picture 2" descr="A picture containing text, printer&#10;&#10;Description automatically generated">
-            <a:extLst>
-              <a:ext uri="{FF2B5EF4-FFF2-40B4-BE49-F238E27FC236}">
-                <a16:creationId xmlns:a16="http://schemas.microsoft.com/office/drawing/2014/main" id="{7281C95C-E51F-1243-3A34-88E3158797AB}"/>
-              </a:ext>
-            </a:extLst>
-          </p:cNvPr>
-          <p:cNvPicPr>
-            <a:picLocks noChangeAspect="1"/>
-          </p:cNvPicPr>
-          <p:nvPr/>
-        </p:nvPicPr>
-        <p:blipFill>
-          <a:blip r:embed="rId7"/>
-          <a:stretch>
-            <a:fillRect/>
-          </a:stretch>
-        </p:blipFill>
-        <p:spPr>
-          <a:xfrm>
-            <a:off x="8365671" y="2876241"/>
-            <a:ext cx="2743200" cy="2651289"/>
-          </a:xfrm>
-          <a:prstGeom prst="rect">
-            <a:avLst/>
-          </a:prstGeom>
-        </p:spPr>
-      </p:pic>
-    </p:spTree>
-    <p:extLst>
-      <p:ext uri="{BB962C8B-B14F-4D97-AF65-F5344CB8AC3E}">
-        <p14:creationId xmlns:p14="http://schemas.microsoft.com/office/powerpoint/2010/main" val="3386404484"/>
-      </p:ext>
-    </p:extLst>
-  </p:cSld>
-  <p:clrMapOvr>
-    <a:masterClrMapping/>
-  </p:clrMapOvr>
-</p:sld>
-</file>
-
-<file path=ppt/slides/slide22.xml><?xml version="1.0" encoding="utf-8"?>
-<p:sld xmlns:a="http://schemas.openxmlformats.org/drawingml/2006/main" xmlns:r="http://schemas.openxmlformats.org/officeDocument/2006/relationships" xmlns:p="http://schemas.openxmlformats.org/presentationml/2006/main" show="0">
-  <p:cSld>
-    <p:spTree>
-      <p:nvGrpSpPr>
-        <p:cNvPr id="1" name=""/>
-        <p:cNvGrpSpPr/>
-        <p:nvPr/>
-      </p:nvGrpSpPr>
-      <p:grpSpPr>
-        <a:xfrm>
-          <a:off x="0" y="0"/>
-          <a:ext cx="0" cy="0"/>
-          <a:chOff x="0" y="0"/>
-          <a:chExt cx="0" cy="0"/>
-        </a:xfrm>
-      </p:grpSpPr>
-      <p:sp>
-        <p:nvSpPr>
-          <p:cNvPr id="2" name="Title 1">
-            <a:extLst>
-              <a:ext uri="{FF2B5EF4-FFF2-40B4-BE49-F238E27FC236}">
-                <a16:creationId xmlns:a16="http://schemas.microsoft.com/office/drawing/2014/main" id="{28608190-3AC6-BFEE-AF6C-3E3BEC6DE737}"/>
-              </a:ext>
-            </a:extLst>
-          </p:cNvPr>
-          <p:cNvSpPr>
-            <a:spLocks noGrp="1"/>
-          </p:cNvSpPr>
-          <p:nvPr>
-            <p:ph type="title"/>
-          </p:nvPr>
-        </p:nvSpPr>
-        <p:spPr>
-          <a:xfrm>
-            <a:off x="280771" y="120259"/>
-            <a:ext cx="10325000" cy="1442463"/>
-          </a:xfrm>
-        </p:spPr>
-        <p:txBody>
-          <a:bodyPr/>
-          <a:lstStyle/>
-          <a:p>
-            <a:r>
-              <a:rPr lang="en-GB"/>
-              <a:t>Johansen Cointegration Test</a:t>
-            </a:r>
-            <a:br>
-              <a:rPr lang="en-GB"/>
-            </a:br>
-            <a:endParaRPr lang="en-GB"/>
-          </a:p>
-        </p:txBody>
-      </p:sp>
-      <p:sp>
-        <p:nvSpPr>
-          <p:cNvPr id="3" name="Content Placeholder 2">
-            <a:extLst>
-              <a:ext uri="{FF2B5EF4-FFF2-40B4-BE49-F238E27FC236}">
-                <a16:creationId xmlns:a16="http://schemas.microsoft.com/office/drawing/2014/main" id="{21CDE1A4-C9B5-6914-C17A-0F7E4C0BF8D7}"/>
-              </a:ext>
-            </a:extLst>
-          </p:cNvPr>
-          <p:cNvSpPr>
-            <a:spLocks noGrp="1"/>
-          </p:cNvSpPr>
-          <p:nvPr>
-            <p:ph idx="1"/>
-          </p:nvPr>
-        </p:nvSpPr>
-        <p:spPr>
-          <a:xfrm>
-            <a:off x="573848" y="3698054"/>
-            <a:ext cx="3025261" cy="317654"/>
-          </a:xfrm>
-        </p:spPr>
-        <p:txBody>
-          <a:bodyPr vert="horz" lIns="91440" tIns="45720" rIns="91440" bIns="45720" rtlCol="0" anchor="t">
-            <a:noAutofit/>
-          </a:bodyPr>
-          <a:lstStyle/>
-          <a:p>
-            <a:pPr marL="0" indent="0">
-              <a:buNone/>
-            </a:pPr>
-            <a:r>
-              <a:rPr lang="en-GB" sz="2400"/>
-              <a:t>Determining the lag</a:t>
-            </a:r>
-            <a:endParaRPr lang="en-US" sz="2400"/>
-          </a:p>
-        </p:txBody>
-      </p:sp>
-      <p:pic>
-        <p:nvPicPr>
-          <p:cNvPr id="4" name="Picture 4" descr="Text&#10;&#10;Description automatically generated">
-            <a:extLst>
-              <a:ext uri="{FF2B5EF4-FFF2-40B4-BE49-F238E27FC236}">
-                <a16:creationId xmlns:a16="http://schemas.microsoft.com/office/drawing/2014/main" id="{D68F8937-E1B7-EF9F-605F-9D09659D1A48}"/>
-              </a:ext>
-            </a:extLst>
-          </p:cNvPr>
-          <p:cNvPicPr>
-            <a:picLocks noChangeAspect="1"/>
-          </p:cNvPicPr>
-          <p:nvPr/>
-        </p:nvPicPr>
-        <p:blipFill>
-          <a:blip r:embed="rId3"/>
-          <a:stretch>
-            <a:fillRect/>
-          </a:stretch>
-        </p:blipFill>
-        <p:spPr>
-          <a:xfrm>
-            <a:off x="374544" y="4962590"/>
-            <a:ext cx="6707808" cy="1707850"/>
-          </a:xfrm>
-          <a:prstGeom prst="rect">
-            <a:avLst/>
-          </a:prstGeom>
-        </p:spPr>
-      </p:pic>
-      <p:pic>
-        <p:nvPicPr>
-          <p:cNvPr id="5" name="Picture 5" descr="Text&#10;&#10;Description automatically generated">
-            <a:extLst>
-              <a:ext uri="{FF2B5EF4-FFF2-40B4-BE49-F238E27FC236}">
-                <a16:creationId xmlns:a16="http://schemas.microsoft.com/office/drawing/2014/main" id="{702944AF-1315-6CB1-EDF9-01DF6D70F687}"/>
-              </a:ext>
-            </a:extLst>
-          </p:cNvPr>
-          <p:cNvPicPr>
-            <a:picLocks noChangeAspect="1"/>
-          </p:cNvPicPr>
-          <p:nvPr/>
-        </p:nvPicPr>
-        <p:blipFill>
-          <a:blip r:embed="rId4"/>
-          <a:stretch>
-            <a:fillRect/>
-          </a:stretch>
-        </p:blipFill>
-        <p:spPr>
-          <a:xfrm>
-            <a:off x="5443076" y="1033253"/>
-            <a:ext cx="6034156" cy="4445749"/>
-          </a:xfrm>
-          <a:prstGeom prst="rect">
-            <a:avLst/>
-          </a:prstGeom>
-        </p:spPr>
-      </p:pic>
-      <p:pic>
-        <p:nvPicPr>
-          <p:cNvPr id="6" name="Picture 6" descr="A picture containing calendar&#10;&#10;Description automatically generated">
-            <a:extLst>
-              <a:ext uri="{FF2B5EF4-FFF2-40B4-BE49-F238E27FC236}">
-                <a16:creationId xmlns:a16="http://schemas.microsoft.com/office/drawing/2014/main" id="{E883495C-492D-F879-6D95-230EE25E6CCE}"/>
-              </a:ext>
-            </a:extLst>
-          </p:cNvPr>
-          <p:cNvPicPr>
-            <a:picLocks noChangeAspect="1"/>
-          </p:cNvPicPr>
-          <p:nvPr/>
-        </p:nvPicPr>
-        <p:blipFill>
-          <a:blip r:embed="rId5"/>
-          <a:stretch>
-            <a:fillRect/>
-          </a:stretch>
-        </p:blipFill>
-        <p:spPr>
-          <a:xfrm>
-            <a:off x="2174631" y="1284810"/>
-            <a:ext cx="2743200" cy="576072"/>
-          </a:xfrm>
-          <a:prstGeom prst="rect">
-            <a:avLst/>
-          </a:prstGeom>
-        </p:spPr>
-      </p:pic>
-      <mc:AlternateContent xmlns:mc="http://schemas.openxmlformats.org/markup-compatibility/2006" xmlns:p14="http://schemas.microsoft.com/office/powerpoint/2010/main">
-        <mc:Choice Requires="p14">
-          <p:contentPart p14:bwMode="auto" r:id="rId6">
-            <p14:nvContentPartPr>
-              <p14:cNvPr id="7" name="Ink 6">
-                <a:extLst>
-                  <a:ext uri="{FF2B5EF4-FFF2-40B4-BE49-F238E27FC236}">
-                    <a16:creationId xmlns:a16="http://schemas.microsoft.com/office/drawing/2014/main" id="{39E74F91-3DB2-BCF3-ABE2-31E1F3056895}"/>
-                  </a:ext>
-                </a:extLst>
-              </p14:cNvPr>
-              <p14:cNvContentPartPr/>
-              <p14:nvPr/>
-            </p14:nvContentPartPr>
-            <p14:xfrm>
-              <a:off x="1753576" y="4176346"/>
-              <a:ext cx="12211" cy="438536"/>
-            </p14:xfrm>
-          </p:contentPart>
-        </mc:Choice>
-        <mc:Fallback xmlns="">
-          <p:pic>
-            <p:nvPicPr>
-              <p:cNvPr id="7" name="Ink 6">
-                <a:extLst>
-                  <a:ext uri="{FF2B5EF4-FFF2-40B4-BE49-F238E27FC236}">
-                    <a16:creationId xmlns:a16="http://schemas.microsoft.com/office/drawing/2014/main" id="{39E74F91-3DB2-BCF3-ABE2-31E1F3056895}"/>
-                  </a:ext>
-                </a:extLst>
-              </p:cNvPr>
-              <p:cNvPicPr/>
-              <p:nvPr/>
-            </p:nvPicPr>
-            <p:blipFill>
-              <a:blip r:embed="rId7"/>
-              <a:stretch>
-                <a:fillRect/>
-              </a:stretch>
-            </p:blipFill>
-            <p:spPr>
-              <a:xfrm>
-                <a:off x="1143026" y="4158358"/>
-                <a:ext cx="1221100" cy="474151"/>
-              </a:xfrm>
-              <a:prstGeom prst="rect">
-                <a:avLst/>
-              </a:prstGeom>
-            </p:spPr>
-          </p:pic>
-        </mc:Fallback>
-      </mc:AlternateContent>
-      <mc:AlternateContent xmlns:mc="http://schemas.openxmlformats.org/markup-compatibility/2006" xmlns:p14="http://schemas.microsoft.com/office/powerpoint/2010/main">
-        <mc:Choice Requires="p14">
-          <p:contentPart p14:bwMode="auto" r:id="rId8">
-            <p14:nvContentPartPr>
-              <p14:cNvPr id="8" name="Ink 7">
-                <a:extLst>
-                  <a:ext uri="{FF2B5EF4-FFF2-40B4-BE49-F238E27FC236}">
-                    <a16:creationId xmlns:a16="http://schemas.microsoft.com/office/drawing/2014/main" id="{F4742D15-3E04-877D-7F40-192AEC2F7351}"/>
-                  </a:ext>
-                </a:extLst>
-              </p14:cNvPr>
-              <p14:cNvContentPartPr/>
-              <p14:nvPr/>
-            </p14:nvContentPartPr>
-            <p14:xfrm>
-              <a:off x="1475525" y="4495053"/>
-              <a:ext cx="278051" cy="130677"/>
-            </p14:xfrm>
-          </p:contentPart>
-        </mc:Choice>
-        <mc:Fallback xmlns="">
-          <p:pic>
-            <p:nvPicPr>
-              <p:cNvPr id="8" name="Ink 7">
-                <a:extLst>
-                  <a:ext uri="{FF2B5EF4-FFF2-40B4-BE49-F238E27FC236}">
-                    <a16:creationId xmlns:a16="http://schemas.microsoft.com/office/drawing/2014/main" id="{F4742D15-3E04-877D-7F40-192AEC2F7351}"/>
-                  </a:ext>
-                </a:extLst>
-              </p:cNvPr>
-              <p:cNvPicPr/>
-              <p:nvPr/>
-            </p:nvPicPr>
-            <p:blipFill>
-              <a:blip r:embed="rId9"/>
-              <a:stretch>
-                <a:fillRect/>
-              </a:stretch>
-            </p:blipFill>
-            <p:spPr>
-              <a:xfrm>
-                <a:off x="1457540" y="4477103"/>
-                <a:ext cx="313662" cy="166218"/>
-              </a:xfrm>
-              <a:prstGeom prst="rect">
-                <a:avLst/>
-              </a:prstGeom>
-            </p:spPr>
-          </p:pic>
-        </mc:Fallback>
-      </mc:AlternateContent>
-      <mc:AlternateContent xmlns:mc="http://schemas.openxmlformats.org/markup-compatibility/2006" xmlns:p14="http://schemas.microsoft.com/office/powerpoint/2010/main">
-        <mc:Choice Requires="p14">
-          <p:contentPart p14:bwMode="auto" r:id="rId10">
-            <p14:nvContentPartPr>
-              <p14:cNvPr id="10" name="Ink 9">
-                <a:extLst>
-                  <a:ext uri="{FF2B5EF4-FFF2-40B4-BE49-F238E27FC236}">
-                    <a16:creationId xmlns:a16="http://schemas.microsoft.com/office/drawing/2014/main" id="{23ED16D4-69C2-DC90-8E58-B2035DF4E22B}"/>
-                  </a:ext>
-                </a:extLst>
-              </p14:cNvPr>
-              <p14:cNvContentPartPr/>
-              <p14:nvPr/>
-            </p14:nvContentPartPr>
-            <p14:xfrm>
-              <a:off x="1743808" y="4479373"/>
-              <a:ext cx="272988" cy="146357"/>
-            </p14:xfrm>
-          </p:contentPart>
-        </mc:Choice>
-        <mc:Fallback xmlns="">
-          <p:pic>
-            <p:nvPicPr>
-              <p:cNvPr id="10" name="Ink 9">
-                <a:extLst>
-                  <a:ext uri="{FF2B5EF4-FFF2-40B4-BE49-F238E27FC236}">
-                    <a16:creationId xmlns:a16="http://schemas.microsoft.com/office/drawing/2014/main" id="{23ED16D4-69C2-DC90-8E58-B2035DF4E22B}"/>
-                  </a:ext>
-                </a:extLst>
-              </p:cNvPr>
-              <p:cNvPicPr/>
-              <p:nvPr/>
-            </p:nvPicPr>
-            <p:blipFill>
-              <a:blip r:embed="rId11"/>
-              <a:stretch>
-                <a:fillRect/>
-              </a:stretch>
-            </p:blipFill>
-            <p:spPr>
-              <a:xfrm>
-                <a:off x="1725825" y="4461393"/>
-                <a:ext cx="308595" cy="181957"/>
-              </a:xfrm>
-              <a:prstGeom prst="rect">
-                <a:avLst/>
-              </a:prstGeom>
-            </p:spPr>
-          </p:pic>
-        </mc:Fallback>
-      </mc:AlternateContent>
-      <mc:AlternateContent xmlns:mc="http://schemas.openxmlformats.org/markup-compatibility/2006" xmlns:p14="http://schemas.microsoft.com/office/powerpoint/2010/main">
-        <mc:Choice Requires="p14">
-          <p:contentPart p14:bwMode="auto" r:id="rId12">
-            <p14:nvContentPartPr>
-              <p14:cNvPr id="11" name="Ink 10">
-                <a:extLst>
-                  <a:ext uri="{FF2B5EF4-FFF2-40B4-BE49-F238E27FC236}">
-                    <a16:creationId xmlns:a16="http://schemas.microsoft.com/office/drawing/2014/main" id="{11C95A75-1670-0072-9ADF-CEF760019320}"/>
-                  </a:ext>
-                </a:extLst>
-              </p14:cNvPr>
-              <p14:cNvContentPartPr/>
-              <p14:nvPr/>
-            </p14:nvContentPartPr>
-            <p14:xfrm>
-              <a:off x="4247372" y="2152578"/>
-              <a:ext cx="358820" cy="3450075"/>
-            </p14:xfrm>
-          </p:contentPart>
-        </mc:Choice>
-        <mc:Fallback xmlns="">
-          <p:pic>
-            <p:nvPicPr>
-              <p:cNvPr id="11" name="Ink 10">
-                <a:extLst>
-                  <a:ext uri="{FF2B5EF4-FFF2-40B4-BE49-F238E27FC236}">
-                    <a16:creationId xmlns:a16="http://schemas.microsoft.com/office/drawing/2014/main" id="{11C95A75-1670-0072-9ADF-CEF760019320}"/>
-                  </a:ext>
-                </a:extLst>
-              </p:cNvPr>
-              <p:cNvPicPr/>
-              <p:nvPr/>
-            </p:nvPicPr>
-            <p:blipFill>
-              <a:blip r:embed="rId13"/>
-              <a:stretch>
-                <a:fillRect/>
-              </a:stretch>
-            </p:blipFill>
-            <p:spPr>
-              <a:xfrm>
-                <a:off x="4229395" y="2134581"/>
-                <a:ext cx="394414" cy="3485710"/>
-              </a:xfrm>
-              <a:prstGeom prst="rect">
-                <a:avLst/>
-              </a:prstGeom>
-            </p:spPr>
-          </p:pic>
-        </mc:Fallback>
-      </mc:AlternateContent>
-      <mc:AlternateContent xmlns:mc="http://schemas.openxmlformats.org/markup-compatibility/2006" xmlns:p14="http://schemas.microsoft.com/office/powerpoint/2010/main">
-        <mc:Choice Requires="p14">
-          <p:contentPart p14:bwMode="auto" r:id="rId14">
-            <p14:nvContentPartPr>
-              <p14:cNvPr id="12" name="Ink 11">
-                <a:extLst>
-                  <a:ext uri="{FF2B5EF4-FFF2-40B4-BE49-F238E27FC236}">
-                    <a16:creationId xmlns:a16="http://schemas.microsoft.com/office/drawing/2014/main" id="{15BF30D5-ADE1-2F83-AF8E-DEE7F08C75AD}"/>
-                  </a:ext>
-                </a:extLst>
-              </p14:cNvPr>
-              <p14:cNvContentPartPr/>
-              <p14:nvPr/>
-            </p14:nvContentPartPr>
-            <p14:xfrm>
-              <a:off x="4119124" y="2154115"/>
-              <a:ext cx="115837" cy="137029"/>
-            </p14:xfrm>
-          </p:contentPart>
-        </mc:Choice>
-        <mc:Fallback xmlns="">
-          <p:pic>
-            <p:nvPicPr>
-              <p:cNvPr id="12" name="Ink 11">
-                <a:extLst>
-                  <a:ext uri="{FF2B5EF4-FFF2-40B4-BE49-F238E27FC236}">
-                    <a16:creationId xmlns:a16="http://schemas.microsoft.com/office/drawing/2014/main" id="{15BF30D5-ADE1-2F83-AF8E-DEE7F08C75AD}"/>
-                  </a:ext>
-                </a:extLst>
-              </p:cNvPr>
-              <p:cNvPicPr/>
-              <p:nvPr/>
-            </p:nvPicPr>
-            <p:blipFill>
-              <a:blip r:embed="rId15"/>
-              <a:stretch>
-                <a:fillRect/>
-              </a:stretch>
-            </p:blipFill>
-            <p:spPr>
-              <a:xfrm>
-                <a:off x="4101137" y="2136179"/>
-                <a:ext cx="151451" cy="172542"/>
-              </a:xfrm>
-              <a:prstGeom prst="rect">
-                <a:avLst/>
-              </a:prstGeom>
-            </p:spPr>
-          </p:pic>
-        </mc:Fallback>
-      </mc:AlternateContent>
-      <mc:AlternateContent xmlns:mc="http://schemas.openxmlformats.org/markup-compatibility/2006" xmlns:p14="http://schemas.microsoft.com/office/powerpoint/2010/main">
-        <mc:Choice Requires="p14">
-          <p:contentPart p14:bwMode="auto" r:id="rId16">
-            <p14:nvContentPartPr>
-              <p14:cNvPr id="13" name="Ink 12">
-                <a:extLst>
-                  <a:ext uri="{FF2B5EF4-FFF2-40B4-BE49-F238E27FC236}">
-                    <a16:creationId xmlns:a16="http://schemas.microsoft.com/office/drawing/2014/main" id="{1ACD9D51-227F-FF46-E4F5-946DFC6E95D1}"/>
-                  </a:ext>
-                </a:extLst>
-              </p14:cNvPr>
-              <p14:cNvContentPartPr/>
-              <p14:nvPr/>
-            </p14:nvContentPartPr>
-            <p14:xfrm>
-              <a:off x="4274037" y="2163884"/>
-              <a:ext cx="175251" cy="136687"/>
-            </p14:xfrm>
-          </p:contentPart>
-        </mc:Choice>
-        <mc:Fallback xmlns="">
-          <p:pic>
-            <p:nvPicPr>
-              <p:cNvPr id="13" name="Ink 12">
-                <a:extLst>
-                  <a:ext uri="{FF2B5EF4-FFF2-40B4-BE49-F238E27FC236}">
-                    <a16:creationId xmlns:a16="http://schemas.microsoft.com/office/drawing/2014/main" id="{1ACD9D51-227F-FF46-E4F5-946DFC6E95D1}"/>
-                  </a:ext>
-                </a:extLst>
-              </p:cNvPr>
-              <p:cNvPicPr/>
-              <p:nvPr/>
-            </p:nvPicPr>
-            <p:blipFill>
-              <a:blip r:embed="rId17"/>
-              <a:stretch>
-                <a:fillRect/>
-              </a:stretch>
-            </p:blipFill>
-            <p:spPr>
-              <a:xfrm>
-                <a:off x="4256081" y="2145899"/>
-                <a:ext cx="210804" cy="172298"/>
-              </a:xfrm>
-              <a:prstGeom prst="rect">
-                <a:avLst/>
-              </a:prstGeom>
-            </p:spPr>
-          </p:pic>
-        </mc:Fallback>
-      </mc:AlternateContent>
-      <mc:AlternateContent xmlns:mc="http://schemas.openxmlformats.org/markup-compatibility/2006" xmlns:p14="http://schemas.microsoft.com/office/powerpoint/2010/main">
-        <mc:Choice Requires="p14">
-          <p:contentPart p14:bwMode="auto" r:id="rId18">
-            <p14:nvContentPartPr>
-              <p14:cNvPr id="14" name="Ink 13">
-                <a:extLst>
-                  <a:ext uri="{FF2B5EF4-FFF2-40B4-BE49-F238E27FC236}">
-                    <a16:creationId xmlns:a16="http://schemas.microsoft.com/office/drawing/2014/main" id="{50C84617-0A54-0271-D6E9-231FBFE66D70}"/>
-                  </a:ext>
-                </a:extLst>
-              </p14:cNvPr>
-              <p14:cNvContentPartPr/>
-              <p14:nvPr/>
-            </p14:nvContentPartPr>
-            <p14:xfrm>
-              <a:off x="5026269" y="1743808"/>
-              <a:ext cx="234713" cy="173888"/>
-            </p14:xfrm>
-          </p:contentPart>
-        </mc:Choice>
-        <mc:Fallback xmlns="">
-          <p:pic>
-            <p:nvPicPr>
-              <p:cNvPr id="14" name="Ink 13">
-                <a:extLst>
-                  <a:ext uri="{FF2B5EF4-FFF2-40B4-BE49-F238E27FC236}">
-                    <a16:creationId xmlns:a16="http://schemas.microsoft.com/office/drawing/2014/main" id="{50C84617-0A54-0271-D6E9-231FBFE66D70}"/>
-                  </a:ext>
-                </a:extLst>
-              </p:cNvPr>
-              <p:cNvPicPr/>
-              <p:nvPr/>
-            </p:nvPicPr>
-            <p:blipFill>
-              <a:blip r:embed="rId19"/>
-              <a:stretch>
-                <a:fillRect/>
-              </a:stretch>
-            </p:blipFill>
-            <p:spPr>
-              <a:xfrm>
-                <a:off x="5008297" y="1725844"/>
-                <a:ext cx="270297" cy="209456"/>
-              </a:xfrm>
-              <a:prstGeom prst="rect">
-                <a:avLst/>
-              </a:prstGeom>
-            </p:spPr>
-          </p:pic>
-        </mc:Fallback>
-      </mc:AlternateContent>
-      <mc:AlternateContent xmlns:mc="http://schemas.openxmlformats.org/markup-compatibility/2006" xmlns:p14="http://schemas.microsoft.com/office/powerpoint/2010/main">
-        <mc:Choice Requires="p14">
-          <p:contentPart p14:bwMode="auto" r:id="rId20">
-            <p14:nvContentPartPr>
-              <p14:cNvPr id="15" name="Ink 14">
-                <a:extLst>
-                  <a:ext uri="{FF2B5EF4-FFF2-40B4-BE49-F238E27FC236}">
-                    <a16:creationId xmlns:a16="http://schemas.microsoft.com/office/drawing/2014/main" id="{96C321FD-4D2B-E2E2-886E-23767858785C}"/>
-                  </a:ext>
-                </a:extLst>
-              </p14:cNvPr>
-              <p14:cNvContentPartPr/>
-              <p14:nvPr/>
-            </p14:nvContentPartPr>
-            <p14:xfrm>
-              <a:off x="5220814" y="1755600"/>
-              <a:ext cx="166916" cy="183592"/>
-            </p14:xfrm>
-          </p:contentPart>
-        </mc:Choice>
-        <mc:Fallback xmlns="">
-          <p:pic>
-            <p:nvPicPr>
-              <p:cNvPr id="15" name="Ink 14">
-                <a:extLst>
-                  <a:ext uri="{FF2B5EF4-FFF2-40B4-BE49-F238E27FC236}">
-                    <a16:creationId xmlns:a16="http://schemas.microsoft.com/office/drawing/2014/main" id="{96C321FD-4D2B-E2E2-886E-23767858785C}"/>
-                  </a:ext>
-                </a:extLst>
-              </p:cNvPr>
-              <p:cNvPicPr/>
-              <p:nvPr/>
-            </p:nvPicPr>
-            <p:blipFill>
-              <a:blip r:embed="rId21"/>
-              <a:stretch>
-                <a:fillRect/>
-              </a:stretch>
-            </p:blipFill>
-            <p:spPr>
-              <a:xfrm>
-                <a:off x="5202827" y="1737636"/>
-                <a:ext cx="202530" cy="219161"/>
-              </a:xfrm>
-              <a:prstGeom prst="rect">
-                <a:avLst/>
-              </a:prstGeom>
-            </p:spPr>
-          </p:pic>
-        </mc:Fallback>
-      </mc:AlternateContent>
-      <mc:AlternateContent xmlns:mc="http://schemas.openxmlformats.org/markup-compatibility/2006" xmlns:p14="http://schemas.microsoft.com/office/powerpoint/2010/main">
-        <mc:Choice Requires="p14">
-          <p:contentPart p14:bwMode="auto" r:id="rId22">
-            <p14:nvContentPartPr>
-              <p14:cNvPr id="16" name="Ink 15">
-                <a:extLst>
-                  <a:ext uri="{FF2B5EF4-FFF2-40B4-BE49-F238E27FC236}">
-                    <a16:creationId xmlns:a16="http://schemas.microsoft.com/office/drawing/2014/main" id="{6E19159B-C6A3-0720-9E53-7260C0D1E08D}"/>
-                  </a:ext>
-                </a:extLst>
-              </p14:cNvPr>
-              <p14:cNvContentPartPr/>
-              <p14:nvPr/>
-            </p14:nvContentPartPr>
-            <p14:xfrm>
-              <a:off x="5094654" y="1909884"/>
-              <a:ext cx="272316" cy="12211"/>
-            </p14:xfrm>
-          </p:contentPart>
-        </mc:Choice>
-        <mc:Fallback xmlns="">
-          <p:pic>
-            <p:nvPicPr>
-              <p:cNvPr id="16" name="Ink 15">
-                <a:extLst>
-                  <a:ext uri="{FF2B5EF4-FFF2-40B4-BE49-F238E27FC236}">
-                    <a16:creationId xmlns:a16="http://schemas.microsoft.com/office/drawing/2014/main" id="{6E19159B-C6A3-0720-9E53-7260C0D1E08D}"/>
-                  </a:ext>
-                </a:extLst>
-              </p:cNvPr>
-              <p:cNvPicPr/>
-              <p:nvPr/>
-            </p:nvPicPr>
-            <p:blipFill>
-              <a:blip r:embed="rId23"/>
-              <a:stretch>
-                <a:fillRect/>
-              </a:stretch>
-            </p:blipFill>
-            <p:spPr>
-              <a:xfrm>
-                <a:off x="5076691" y="1299334"/>
-                <a:ext cx="307882" cy="1221100"/>
-              </a:xfrm>
-              <a:prstGeom prst="rect">
-                <a:avLst/>
-              </a:prstGeom>
-            </p:spPr>
-          </p:pic>
-        </mc:Fallback>
-      </mc:AlternateContent>
-      <mc:AlternateContent xmlns:mc="http://schemas.openxmlformats.org/markup-compatibility/2006" xmlns:p14="http://schemas.microsoft.com/office/powerpoint/2010/main">
-        <mc:Choice Requires="p14">
-          <p:contentPart p14:bwMode="auto" r:id="rId24">
-            <p14:nvContentPartPr>
-              <p14:cNvPr id="17" name="Ink 16">
-                <a:extLst>
-                  <a:ext uri="{FF2B5EF4-FFF2-40B4-BE49-F238E27FC236}">
-                    <a16:creationId xmlns:a16="http://schemas.microsoft.com/office/drawing/2014/main" id="{50883CE6-1DCC-EFAE-5E40-5622219CF551}"/>
-                  </a:ext>
-                </a:extLst>
-              </p14:cNvPr>
-              <p14:cNvContentPartPr/>
-              <p14:nvPr/>
-            </p14:nvContentPartPr>
-            <p14:xfrm>
-              <a:off x="10506807" y="3551115"/>
-              <a:ext cx="12211" cy="12211"/>
-            </p14:xfrm>
-          </p:contentPart>
-        </mc:Choice>
-        <mc:Fallback xmlns="">
-          <p:pic>
-            <p:nvPicPr>
-              <p:cNvPr id="17" name="Ink 16">
-                <a:extLst>
-                  <a:ext uri="{FF2B5EF4-FFF2-40B4-BE49-F238E27FC236}">
-                    <a16:creationId xmlns:a16="http://schemas.microsoft.com/office/drawing/2014/main" id="{50883CE6-1DCC-EFAE-5E40-5622219CF551}"/>
-                  </a:ext>
-                </a:extLst>
-              </p:cNvPr>
-              <p:cNvPicPr/>
-              <p:nvPr/>
-            </p:nvPicPr>
-            <p:blipFill>
-              <a:blip r:embed="rId25"/>
-              <a:stretch>
-                <a:fillRect/>
-              </a:stretch>
-            </p:blipFill>
-            <p:spPr>
-              <a:xfrm>
-                <a:off x="9896257" y="2940565"/>
-                <a:ext cx="1221100" cy="1221100"/>
-              </a:xfrm>
-              <a:prstGeom prst="rect">
-                <a:avLst/>
-              </a:prstGeom>
-            </p:spPr>
-          </p:pic>
-        </mc:Fallback>
-      </mc:AlternateContent>
-      <p:sp>
-        <p:nvSpPr>
-          <p:cNvPr id="18" name="TextBox 17">
-            <a:extLst>
-              <a:ext uri="{FF2B5EF4-FFF2-40B4-BE49-F238E27FC236}">
-                <a16:creationId xmlns:a16="http://schemas.microsoft.com/office/drawing/2014/main" id="{C7DDD2F1-7329-3B98-1EE3-36AAF4E62733}"/>
-              </a:ext>
-            </a:extLst>
-          </p:cNvPr>
-          <p:cNvSpPr txBox="1"/>
-          <p:nvPr/>
-        </p:nvSpPr>
-        <p:spPr>
-          <a:xfrm>
-            <a:off x="9237785" y="3640015"/>
-            <a:ext cx="2743200" cy="646331"/>
-          </a:xfrm>
-          <a:prstGeom prst="rect">
-            <a:avLst/>
-          </a:prstGeom>
-          <a:noFill/>
-        </p:spPr>
-        <p:txBody>
-          <a:bodyPr rot="0" spcFirstLastPara="0" vertOverflow="overflow" horzOverflow="overflow" vert="horz" wrap="square" lIns="91440" tIns="45720" rIns="91440" bIns="45720" numCol="1" spcCol="0" rtlCol="0" fromWordArt="0" anchor="t" anchorCtr="0" forceAA="0" compatLnSpc="1">
-            <a:prstTxWarp prst="textNoShape">
-              <a:avLst/>
-            </a:prstTxWarp>
-            <a:spAutoFit/>
-          </a:bodyPr>
-          <a:lstStyle/>
-          <a:p>
-            <a:r>
-              <a:rPr lang="en-US"/>
-              <a:t>Check for another type of test: for Eigen</a:t>
-            </a:r>
-          </a:p>
-        </p:txBody>
-      </p:sp>
-      <p:sp>
-        <p:nvSpPr>
-          <p:cNvPr id="21" name="TextBox 20">
-            <a:extLst>
-              <a:ext uri="{FF2B5EF4-FFF2-40B4-BE49-F238E27FC236}">
-                <a16:creationId xmlns:a16="http://schemas.microsoft.com/office/drawing/2014/main" id="{AF13C664-F3E9-72F0-E676-CC31A62DE723}"/>
-              </a:ext>
-            </a:extLst>
-          </p:cNvPr>
-          <p:cNvSpPr txBox="1"/>
-          <p:nvPr/>
-        </p:nvSpPr>
-        <p:spPr>
-          <a:xfrm>
-            <a:off x="9335477" y="5496168"/>
-            <a:ext cx="2743200" cy="369332"/>
-          </a:xfrm>
-          <a:prstGeom prst="rect">
-            <a:avLst/>
-          </a:prstGeom>
-          <a:noFill/>
-        </p:spPr>
-        <p:txBody>
-          <a:bodyPr rot="0" spcFirstLastPara="0" vertOverflow="overflow" horzOverflow="overflow" vert="horz" wrap="square" lIns="91440" tIns="45720" rIns="91440" bIns="45720" numCol="1" spcCol="0" rtlCol="0" fromWordArt="0" anchor="t" anchorCtr="0" forceAA="0" compatLnSpc="1">
-            <a:prstTxWarp prst="textNoShape">
-              <a:avLst/>
-            </a:prstTxWarp>
-            <a:spAutoFit/>
-          </a:bodyPr>
-          <a:lstStyle/>
-          <a:p>
-            <a:r>
-              <a:rPr lang="en-US"/>
-              <a:t>Same Conclusion</a:t>
-            </a:r>
-          </a:p>
-        </p:txBody>
-      </p:sp>
-      <mc:AlternateContent xmlns:mc="http://schemas.openxmlformats.org/markup-compatibility/2006" xmlns:p14="http://schemas.microsoft.com/office/powerpoint/2010/main">
-        <mc:Choice Requires="p14">
-          <p:contentPart p14:bwMode="auto" r:id="rId26">
-            <p14:nvContentPartPr>
-              <p14:cNvPr id="22" name="Ink 21">
-                <a:extLst>
-                  <a:ext uri="{FF2B5EF4-FFF2-40B4-BE49-F238E27FC236}">
-                    <a16:creationId xmlns:a16="http://schemas.microsoft.com/office/drawing/2014/main" id="{0D9DB30A-864A-03DB-545C-960D4B34EB5F}"/>
-                  </a:ext>
-                </a:extLst>
-              </p14:cNvPr>
-              <p14:cNvContentPartPr/>
-              <p14:nvPr/>
-            </p14:nvContentPartPr>
-            <p14:xfrm>
-              <a:off x="10174655" y="2085731"/>
-              <a:ext cx="469414" cy="1278683"/>
-            </p14:xfrm>
-          </p:contentPart>
-        </mc:Choice>
-        <mc:Fallback xmlns="">
-          <p:pic>
-            <p:nvPicPr>
-              <p:cNvPr id="22" name="Ink 21">
-                <a:extLst>
-                  <a:ext uri="{FF2B5EF4-FFF2-40B4-BE49-F238E27FC236}">
-                    <a16:creationId xmlns:a16="http://schemas.microsoft.com/office/drawing/2014/main" id="{0D9DB30A-864A-03DB-545C-960D4B34EB5F}"/>
-                  </a:ext>
-                </a:extLst>
-              </p:cNvPr>
-              <p:cNvPicPr/>
-              <p:nvPr/>
-            </p:nvPicPr>
-            <p:blipFill>
-              <a:blip r:embed="rId27"/>
-              <a:stretch>
-                <a:fillRect/>
-              </a:stretch>
-            </p:blipFill>
-            <p:spPr>
-              <a:xfrm>
-                <a:off x="10156670" y="2067737"/>
-                <a:ext cx="505025" cy="1314312"/>
-              </a:xfrm>
-              <a:prstGeom prst="rect">
-                <a:avLst/>
-              </a:prstGeom>
-            </p:spPr>
-          </p:pic>
-        </mc:Fallback>
-      </mc:AlternateContent>
-      <mc:AlternateContent xmlns:mc="http://schemas.openxmlformats.org/markup-compatibility/2006" xmlns:p14="http://schemas.microsoft.com/office/powerpoint/2010/main">
-        <mc:Choice Requires="p14">
-          <p:contentPart p14:bwMode="auto" r:id="rId28">
-            <p14:nvContentPartPr>
-              <p14:cNvPr id="23" name="Ink 22">
-                <a:extLst>
-                  <a:ext uri="{FF2B5EF4-FFF2-40B4-BE49-F238E27FC236}">
-                    <a16:creationId xmlns:a16="http://schemas.microsoft.com/office/drawing/2014/main" id="{6BD95BE8-C90C-D770-DB36-AE8D728AAC9E}"/>
-                  </a:ext>
-                </a:extLst>
-              </p14:cNvPr>
-              <p14:cNvContentPartPr/>
-              <p14:nvPr/>
-            </p14:nvContentPartPr>
-            <p14:xfrm>
-              <a:off x="10459589" y="3278061"/>
-              <a:ext cx="183987" cy="97207"/>
-            </p14:xfrm>
-          </p:contentPart>
-        </mc:Choice>
-        <mc:Fallback xmlns="">
-          <p:pic>
-            <p:nvPicPr>
-              <p:cNvPr id="23" name="Ink 22">
-                <a:extLst>
-                  <a:ext uri="{FF2B5EF4-FFF2-40B4-BE49-F238E27FC236}">
-                    <a16:creationId xmlns:a16="http://schemas.microsoft.com/office/drawing/2014/main" id="{6BD95BE8-C90C-D770-DB36-AE8D728AAC9E}"/>
-                  </a:ext>
-                </a:extLst>
-              </p:cNvPr>
-              <p:cNvPicPr/>
-              <p:nvPr/>
-            </p:nvPicPr>
-            <p:blipFill>
-              <a:blip r:embed="rId29"/>
-              <a:stretch>
-                <a:fillRect/>
-              </a:stretch>
-            </p:blipFill>
-            <p:spPr>
-              <a:xfrm>
-                <a:off x="10441622" y="3260126"/>
-                <a:ext cx="219563" cy="132718"/>
-              </a:xfrm>
-              <a:prstGeom prst="rect">
-                <a:avLst/>
-              </a:prstGeom>
-            </p:spPr>
-          </p:pic>
-        </mc:Fallback>
-      </mc:AlternateContent>
-      <mc:AlternateContent xmlns:mc="http://schemas.openxmlformats.org/markup-compatibility/2006" xmlns:p14="http://schemas.microsoft.com/office/powerpoint/2010/main">
-        <mc:Choice Requires="p14">
-          <p:contentPart p14:bwMode="auto" r:id="rId30">
-            <p14:nvContentPartPr>
-              <p14:cNvPr id="25" name="Ink 24">
-                <a:extLst>
-                  <a:ext uri="{FF2B5EF4-FFF2-40B4-BE49-F238E27FC236}">
-                    <a16:creationId xmlns:a16="http://schemas.microsoft.com/office/drawing/2014/main" id="{1DEDAE0F-A13C-510C-0D5E-43C9C2058DA1}"/>
-                  </a:ext>
-                </a:extLst>
-              </p14:cNvPr>
-              <p14:cNvContentPartPr/>
-              <p14:nvPr/>
-            </p14:nvContentPartPr>
-            <p14:xfrm>
-              <a:off x="10604500" y="4420576"/>
-              <a:ext cx="49417" cy="1093075"/>
-            </p14:xfrm>
-          </p:contentPart>
-        </mc:Choice>
-        <mc:Fallback xmlns="">
-          <p:pic>
-            <p:nvPicPr>
-              <p:cNvPr id="25" name="Ink 24">
-                <a:extLst>
-                  <a:ext uri="{FF2B5EF4-FFF2-40B4-BE49-F238E27FC236}">
-                    <a16:creationId xmlns:a16="http://schemas.microsoft.com/office/drawing/2014/main" id="{1DEDAE0F-A13C-510C-0D5E-43C9C2058DA1}"/>
-                  </a:ext>
-                </a:extLst>
-              </p:cNvPr>
-              <p:cNvPicPr/>
-              <p:nvPr/>
-            </p:nvPicPr>
-            <p:blipFill>
-              <a:blip r:embed="rId31"/>
-              <a:stretch>
-                <a:fillRect/>
-              </a:stretch>
-            </p:blipFill>
-            <p:spPr>
-              <a:xfrm>
-                <a:off x="10586724" y="4402580"/>
-                <a:ext cx="84613" cy="1128707"/>
-              </a:xfrm>
-              <a:prstGeom prst="rect">
-                <a:avLst/>
-              </a:prstGeom>
-            </p:spPr>
-          </p:pic>
-        </mc:Fallback>
-      </mc:AlternateContent>
-      <mc:AlternateContent xmlns:mc="http://schemas.openxmlformats.org/markup-compatibility/2006" xmlns:p14="http://schemas.microsoft.com/office/powerpoint/2010/main">
-        <mc:Choice Requires="p14">
-          <p:contentPart p14:bwMode="auto" r:id="rId32">
-            <p14:nvContentPartPr>
-              <p14:cNvPr id="26" name="Ink 25">
-                <a:extLst>
-                  <a:ext uri="{FF2B5EF4-FFF2-40B4-BE49-F238E27FC236}">
-                    <a16:creationId xmlns:a16="http://schemas.microsoft.com/office/drawing/2014/main" id="{B99F0ADA-9A1D-4F33-4A07-70E95DA601C8}"/>
-                  </a:ext>
-                </a:extLst>
-              </p14:cNvPr>
-              <p14:cNvContentPartPr/>
-              <p14:nvPr/>
-            </p14:nvContentPartPr>
-            <p14:xfrm>
-              <a:off x="10484062" y="5371521"/>
-              <a:ext cx="169284" cy="143209"/>
-            </p14:xfrm>
-          </p:contentPart>
-        </mc:Choice>
-        <mc:Fallback xmlns="">
-          <p:pic>
-            <p:nvPicPr>
-              <p:cNvPr id="26" name="Ink 25">
-                <a:extLst>
-                  <a:ext uri="{FF2B5EF4-FFF2-40B4-BE49-F238E27FC236}">
-                    <a16:creationId xmlns:a16="http://schemas.microsoft.com/office/drawing/2014/main" id="{B99F0ADA-9A1D-4F33-4A07-70E95DA601C8}"/>
-                  </a:ext>
-                </a:extLst>
-              </p:cNvPr>
-              <p:cNvPicPr/>
-              <p:nvPr/>
-            </p:nvPicPr>
-            <p:blipFill>
-              <a:blip r:embed="rId33"/>
-              <a:stretch>
-                <a:fillRect/>
-              </a:stretch>
-            </p:blipFill>
-            <p:spPr>
-              <a:xfrm>
-                <a:off x="10466129" y="5353530"/>
-                <a:ext cx="204791" cy="178831"/>
-              </a:xfrm>
-              <a:prstGeom prst="rect">
-                <a:avLst/>
-              </a:prstGeom>
-            </p:spPr>
-          </p:pic>
-        </mc:Fallback>
-      </mc:AlternateContent>
-      <mc:AlternateContent xmlns:mc="http://schemas.openxmlformats.org/markup-compatibility/2006" xmlns:p14="http://schemas.microsoft.com/office/powerpoint/2010/main">
-        <mc:Choice Requires="p14">
-          <p:contentPart p14:bwMode="auto" r:id="rId34">
-            <p14:nvContentPartPr>
-              <p14:cNvPr id="27" name="Ink 26">
-                <a:extLst>
-                  <a:ext uri="{FF2B5EF4-FFF2-40B4-BE49-F238E27FC236}">
-                    <a16:creationId xmlns:a16="http://schemas.microsoft.com/office/drawing/2014/main" id="{95B39044-63C0-2C7D-23B1-99E839D17C53}"/>
-                  </a:ext>
-                </a:extLst>
-              </p14:cNvPr>
-              <p14:cNvContentPartPr/>
-              <p14:nvPr/>
-            </p14:nvContentPartPr>
-            <p14:xfrm>
-              <a:off x="10663117" y="5338277"/>
-              <a:ext cx="136080" cy="147146"/>
-            </p14:xfrm>
-          </p:contentPart>
-        </mc:Choice>
-        <mc:Fallback xmlns="">
-          <p:pic>
-            <p:nvPicPr>
-              <p:cNvPr id="27" name="Ink 26">
-                <a:extLst>
-                  <a:ext uri="{FF2B5EF4-FFF2-40B4-BE49-F238E27FC236}">
-                    <a16:creationId xmlns:a16="http://schemas.microsoft.com/office/drawing/2014/main" id="{95B39044-63C0-2C7D-23B1-99E839D17C53}"/>
-                  </a:ext>
-                </a:extLst>
-              </p:cNvPr>
-              <p:cNvPicPr/>
-              <p:nvPr/>
-            </p:nvPicPr>
-            <p:blipFill>
-              <a:blip r:embed="rId35"/>
-              <a:stretch>
-                <a:fillRect/>
-              </a:stretch>
-            </p:blipFill>
-            <p:spPr>
-              <a:xfrm>
-                <a:off x="10645164" y="5320332"/>
-                <a:ext cx="171626" cy="182676"/>
-              </a:xfrm>
-              <a:prstGeom prst="rect">
-                <a:avLst/>
-              </a:prstGeom>
-            </p:spPr>
-          </p:pic>
-        </mc:Fallback>
-      </mc:AlternateContent>
-    </p:spTree>
-    <p:extLst>
-      <p:ext uri="{BB962C8B-B14F-4D97-AF65-F5344CB8AC3E}">
-        <p14:creationId xmlns:p14="http://schemas.microsoft.com/office/powerpoint/2010/main" val="38830418"/>
-      </p:ext>
-    </p:extLst>
-  </p:cSld>
-  <p:clrMapOvr>
-    <a:masterClrMapping/>
-  </p:clrMapOvr>
-  <p:extLst>
-    <p:ext uri="{6950BFC3-D8DA-4A85-94F7-54DA5524770B}">
-      <p188:commentRel xmlns:p188="http://schemas.microsoft.com/office/powerpoint/2018/8/main" r:id="rId2"/>
-    </p:ext>
-  </p:extLst>
-</p:sld>
-</file>
-
 <file path=ppt/slides/slide3.xml><?xml version="1.0" encoding="utf-8"?>
 <p:sld xmlns:a="http://schemas.openxmlformats.org/drawingml/2006/main" xmlns:r="http://schemas.openxmlformats.org/officeDocument/2006/relationships" xmlns:p="http://schemas.openxmlformats.org/presentationml/2006/main">
   <p:cSld>
@@ -35787,7 +33870,7 @@
           <p:nvPr/>
         </p:nvPicPr>
         <p:blipFill>
-          <a:blip r:embed="rId4"/>
+          <a:blip r:embed="rId3"/>
           <a:stretch>
             <a:fillRect/>
           </a:stretch>
@@ -35817,7 +33900,7 @@
           <p:nvPr/>
         </p:nvPicPr>
         <p:blipFill>
-          <a:blip r:embed="rId5"/>
+          <a:blip r:embed="rId4"/>
           <a:stretch>
             <a:fillRect/>
           </a:stretch>
@@ -35891,7 +33974,7 @@
           <p:nvPr/>
         </p:nvPicPr>
         <p:blipFill>
-          <a:blip r:embed="rId6"/>
+          <a:blip r:embed="rId5"/>
           <a:stretch>
             <a:fillRect/>
           </a:stretch>
@@ -35921,7 +34004,7 @@
           <p:nvPr/>
         </p:nvPicPr>
         <p:blipFill>
-          <a:blip r:embed="rId7"/>
+          <a:blip r:embed="rId6"/>
           <a:stretch>
             <a:fillRect/>
           </a:stretch>
@@ -35946,11 +34029,6 @@
   <p:clrMapOvr>
     <a:masterClrMapping/>
   </p:clrMapOvr>
-  <p:extLst>
-    <p:ext uri="{6950BFC3-D8DA-4A85-94F7-54DA5524770B}">
-      <p188:commentRel xmlns:p188="http://schemas.microsoft.com/office/powerpoint/2018/8/main" r:id="rId3"/>
-    </p:ext>
-  </p:extLst>
 </p:sld>
 </file>
 
@@ -36026,7 +34104,7 @@
           </p:nvPr>
         </p:nvPicPr>
         <p:blipFill>
-          <a:blip r:embed="rId3"/>
+          <a:blip r:embed="rId2"/>
           <a:stretch>
             <a:fillRect/>
           </a:stretch>
@@ -36053,7 +34131,7 @@
           <p:nvPr/>
         </p:nvPicPr>
         <p:blipFill>
-          <a:blip r:embed="rId4"/>
+          <a:blip r:embed="rId3"/>
           <a:stretch>
             <a:fillRect/>
           </a:stretch>
@@ -36083,7 +34161,7 @@
           <p:nvPr/>
         </p:nvPicPr>
         <p:blipFill>
-          <a:blip r:embed="rId5"/>
+          <a:blip r:embed="rId4"/>
           <a:stretch>
             <a:fillRect/>
           </a:stretch>
@@ -36113,7 +34191,7 @@
           <p:nvPr/>
         </p:nvPicPr>
         <p:blipFill>
-          <a:blip r:embed="rId6"/>
+          <a:blip r:embed="rId5"/>
           <a:stretch>
             <a:fillRect/>
           </a:stretch>
@@ -36234,11 +34312,6 @@
   <p:clrMapOvr>
     <a:masterClrMapping/>
   </p:clrMapOvr>
-  <p:extLst>
-    <p:ext uri="{6950BFC3-D8DA-4A85-94F7-54DA5524770B}">
-      <p188:commentRel xmlns:p188="http://schemas.microsoft.com/office/powerpoint/2018/8/main" r:id="rId2"/>
-    </p:ext>
-  </p:extLst>
 </p:sld>
 </file>
 
@@ -36806,11 +34879,6 @@
   <p:clrMapOvr>
     <a:masterClrMapping/>
   </p:clrMapOvr>
-  <p:extLst>
-    <p:ext uri="{6950BFC3-D8DA-4A85-94F7-54DA5524770B}">
-      <p188:commentRel xmlns:p188="http://schemas.microsoft.com/office/powerpoint/2018/8/main" r:id="rId2"/>
-    </p:ext>
-  </p:extLst>
 </p:sld>
 </file>
 
@@ -39244,11 +37312,6 @@
   <p:clrMapOvr>
     <a:masterClrMapping/>
   </p:clrMapOvr>
-  <p:extLst>
-    <p:ext uri="{6950BFC3-D8DA-4A85-94F7-54DA5524770B}">
-      <p188:commentRel xmlns:p188="http://schemas.microsoft.com/office/powerpoint/2018/8/main" r:id="rId2"/>
-    </p:ext>
-  </p:extLst>
 </p:sld>
 </file>
 
